--- a/121/NMOP/nmop-interim-swisscom-network-analytics-network-incident-postmortem.pptx
+++ b/121/NMOP/nmop-interim-swisscom-network-analytics-network-incident-postmortem.pptx
@@ -135,7 +135,7 @@
 <file path=ppt/revisionInfo.xml><?xml version="1.0" encoding="utf-8"?>
 <p1510:revInfo xmlns:a="http://schemas.openxmlformats.org/drawingml/2006/main" xmlns:r="http://schemas.openxmlformats.org/officeDocument/2006/relationships" xmlns:p1510="http://schemas.microsoft.com/office/powerpoint/2015/10/main">
   <p1510:revLst>
-    <p1510:client id="{3663A84C-79C5-48AF-B3E1-03B433D898CA}" v="21" dt="2024-09-06T09:35:06.080"/>
+    <p1510:client id="{3663A84C-79C5-48AF-B3E1-03B433D898CA}" v="24" dt="2024-09-06T11:42:31.951"/>
   </p1510:revLst>
 </p1510:revInfo>
 </file>
@@ -145,7 +145,7 @@
   <pc:docChgLst>
     <pc:chgData name="Graf Thomas, INI-NET-VNC-HCS" userId="487bc3e3-9ce7-4cdd-b7b4-8899ea88d289" providerId="ADAL" clId="{3663A84C-79C5-48AF-B3E1-03B433D898CA}"/>
     <pc:docChg chg="undo custSel addSld delSld modSld sldOrd delMainMaster">
-      <pc:chgData name="Graf Thomas, INI-NET-VNC-HCS" userId="487bc3e3-9ce7-4cdd-b7b4-8899ea88d289" providerId="ADAL" clId="{3663A84C-79C5-48AF-B3E1-03B433D898CA}" dt="2024-09-06T09:51:13.834" v="645" actId="113"/>
+      <pc:chgData name="Graf Thomas, INI-NET-VNC-HCS" userId="487bc3e3-9ce7-4cdd-b7b4-8899ea88d289" providerId="ADAL" clId="{3663A84C-79C5-48AF-B3E1-03B433D898CA}" dt="2024-09-06T11:53:39.677" v="1053" actId="20577"/>
       <pc:docMkLst>
         <pc:docMk/>
       </pc:docMkLst>
@@ -352,7 +352,7 @@
         </pc:picChg>
       </pc:sldChg>
       <pc:sldChg chg="addSp delSp modSp add mod">
-        <pc:chgData name="Graf Thomas, INI-NET-VNC-HCS" userId="487bc3e3-9ce7-4cdd-b7b4-8899ea88d289" providerId="ADAL" clId="{3663A84C-79C5-48AF-B3E1-03B433D898CA}" dt="2024-09-06T09:24:26.628" v="360" actId="255"/>
+        <pc:chgData name="Graf Thomas, INI-NET-VNC-HCS" userId="487bc3e3-9ce7-4cdd-b7b4-8899ea88d289" providerId="ADAL" clId="{3663A84C-79C5-48AF-B3E1-03B433D898CA}" dt="2024-09-06T11:35:17.424" v="657" actId="14100"/>
         <pc:sldMkLst>
           <pc:docMk/>
           <pc:sldMk cId="1690469041" sldId="2145706256"/>
@@ -382,7 +382,15 @@
           </ac:spMkLst>
         </pc:spChg>
         <pc:spChg chg="mod">
-          <ac:chgData name="Graf Thomas, INI-NET-VNC-HCS" userId="487bc3e3-9ce7-4cdd-b7b4-8899ea88d289" providerId="ADAL" clId="{3663A84C-79C5-48AF-B3E1-03B433D898CA}" dt="2024-09-06T09:12:08.422" v="296" actId="1036"/>
+          <ac:chgData name="Graf Thomas, INI-NET-VNC-HCS" userId="487bc3e3-9ce7-4cdd-b7b4-8899ea88d289" providerId="ADAL" clId="{3663A84C-79C5-48AF-B3E1-03B433D898CA}" dt="2024-09-06T11:35:12.029" v="656" actId="255"/>
+          <ac:spMkLst>
+            <pc:docMk/>
+            <pc:sldMk cId="1690469041" sldId="2145706256"/>
+            <ac:spMk id="15" creationId="{B1122241-06BD-CF66-A2CA-003F03B6E201}"/>
+          </ac:spMkLst>
+        </pc:spChg>
+        <pc:spChg chg="mod">
+          <ac:chgData name="Graf Thomas, INI-NET-VNC-HCS" userId="487bc3e3-9ce7-4cdd-b7b4-8899ea88d289" providerId="ADAL" clId="{3663A84C-79C5-48AF-B3E1-03B433D898CA}" dt="2024-09-06T11:35:03.046" v="655" actId="255"/>
           <ac:spMkLst>
             <pc:docMk/>
             <pc:sldMk cId="1690469041" sldId="2145706256"/>
@@ -390,7 +398,7 @@
           </ac:spMkLst>
         </pc:spChg>
         <pc:spChg chg="mod">
-          <ac:chgData name="Graf Thomas, INI-NET-VNC-HCS" userId="487bc3e3-9ce7-4cdd-b7b4-8899ea88d289" providerId="ADAL" clId="{3663A84C-79C5-48AF-B3E1-03B433D898CA}" dt="2024-09-06T09:11:56.597" v="276" actId="20577"/>
+          <ac:chgData name="Graf Thomas, INI-NET-VNC-HCS" userId="487bc3e3-9ce7-4cdd-b7b4-8899ea88d289" providerId="ADAL" clId="{3663A84C-79C5-48AF-B3E1-03B433D898CA}" dt="2024-09-06T11:35:12.029" v="656" actId="255"/>
           <ac:spMkLst>
             <pc:docMk/>
             <pc:sldMk cId="1690469041" sldId="2145706256"/>
@@ -413,6 +421,14 @@
             <ac:picMk id="48" creationId="{99177086-C416-5539-43C8-4A465BE7037A}"/>
           </ac:picMkLst>
         </pc:picChg>
+        <pc:cxnChg chg="mod">
+          <ac:chgData name="Graf Thomas, INI-NET-VNC-HCS" userId="487bc3e3-9ce7-4cdd-b7b4-8899ea88d289" providerId="ADAL" clId="{3663A84C-79C5-48AF-B3E1-03B433D898CA}" dt="2024-09-06T11:35:17.424" v="657" actId="14100"/>
+          <ac:cxnSpMkLst>
+            <pc:docMk/>
+            <pc:sldMk cId="1690469041" sldId="2145706256"/>
+            <ac:cxnSpMk id="30" creationId="{4E3B13FB-8CA7-B3DE-FF7A-B5744D340B82}"/>
+          </ac:cxnSpMkLst>
+        </pc:cxnChg>
       </pc:sldChg>
       <pc:sldChg chg="add del">
         <pc:chgData name="Graf Thomas, INI-NET-VNC-HCS" userId="487bc3e3-9ce7-4cdd-b7b4-8899ea88d289" providerId="ADAL" clId="{3663A84C-79C5-48AF-B3E1-03B433D898CA}" dt="2024-09-06T08:47:40.393" v="73" actId="47"/>
@@ -512,13 +528,13 @@
         </pc:sldMkLst>
       </pc:sldChg>
       <pc:sldChg chg="delSp modSp add mod">
-        <pc:chgData name="Graf Thomas, INI-NET-VNC-HCS" userId="487bc3e3-9ce7-4cdd-b7b4-8899ea88d289" providerId="ADAL" clId="{3663A84C-79C5-48AF-B3E1-03B433D898CA}" dt="2024-09-06T09:23:56.681" v="355" actId="255"/>
+        <pc:chgData name="Graf Thomas, INI-NET-VNC-HCS" userId="487bc3e3-9ce7-4cdd-b7b4-8899ea88d289" providerId="ADAL" clId="{3663A84C-79C5-48AF-B3E1-03B433D898CA}" dt="2024-09-06T11:41:49.992" v="723" actId="14100"/>
         <pc:sldMkLst>
           <pc:docMk/>
           <pc:sldMk cId="3254418192" sldId="2145706290"/>
         </pc:sldMkLst>
         <pc:spChg chg="mod">
-          <ac:chgData name="Graf Thomas, INI-NET-VNC-HCS" userId="487bc3e3-9ce7-4cdd-b7b4-8899ea88d289" providerId="ADAL" clId="{3663A84C-79C5-48AF-B3E1-03B433D898CA}" dt="2024-09-06T09:23:56.681" v="355" actId="255"/>
+          <ac:chgData name="Graf Thomas, INI-NET-VNC-HCS" userId="487bc3e3-9ce7-4cdd-b7b4-8899ea88d289" providerId="ADAL" clId="{3663A84C-79C5-48AF-B3E1-03B433D898CA}" dt="2024-09-06T11:36:24.730" v="661" actId="14100"/>
           <ac:spMkLst>
             <pc:docMk/>
             <pc:sldMk cId="3254418192" sldId="2145706290"/>
@@ -526,7 +542,7 @@
           </ac:spMkLst>
         </pc:spChg>
         <pc:spChg chg="mod">
-          <ac:chgData name="Graf Thomas, INI-NET-VNC-HCS" userId="487bc3e3-9ce7-4cdd-b7b4-8899ea88d289" providerId="ADAL" clId="{3663A84C-79C5-48AF-B3E1-03B433D898CA}" dt="2024-09-06T09:03:54.778" v="174" actId="1036"/>
+          <ac:chgData name="Graf Thomas, INI-NET-VNC-HCS" userId="487bc3e3-9ce7-4cdd-b7b4-8899ea88d289" providerId="ADAL" clId="{3663A84C-79C5-48AF-B3E1-03B433D898CA}" dt="2024-09-06T11:34:30.414" v="652" actId="255"/>
           <ac:spMkLst>
             <pc:docMk/>
             <pc:sldMk cId="3254418192" sldId="2145706290"/>
@@ -534,7 +550,7 @@
           </ac:spMkLst>
         </pc:spChg>
         <pc:spChg chg="mod">
-          <ac:chgData name="Graf Thomas, INI-NET-VNC-HCS" userId="487bc3e3-9ce7-4cdd-b7b4-8899ea88d289" providerId="ADAL" clId="{3663A84C-79C5-48AF-B3E1-03B433D898CA}" dt="2024-09-06T09:04:32.631" v="176" actId="20577"/>
+          <ac:chgData name="Graf Thomas, INI-NET-VNC-HCS" userId="487bc3e3-9ce7-4cdd-b7b4-8899ea88d289" providerId="ADAL" clId="{3663A84C-79C5-48AF-B3E1-03B433D898CA}" dt="2024-09-06T11:40:30.717" v="699" actId="20577"/>
           <ac:spMkLst>
             <pc:docMk/>
             <pc:sldMk cId="3254418192" sldId="2145706290"/>
@@ -550,6 +566,38 @@
           </ac:spMkLst>
         </pc:spChg>
         <pc:picChg chg="mod">
+          <ac:chgData name="Graf Thomas, INI-NET-VNC-HCS" userId="487bc3e3-9ce7-4cdd-b7b4-8899ea88d289" providerId="ADAL" clId="{3663A84C-79C5-48AF-B3E1-03B433D898CA}" dt="2024-09-06T11:41:12.574" v="713" actId="1076"/>
+          <ac:picMkLst>
+            <pc:docMk/>
+            <pc:sldMk cId="3254418192" sldId="2145706290"/>
+            <ac:picMk id="2" creationId="{104586A3-D638-9D3A-739F-52AD87B0ABA8}"/>
+          </ac:picMkLst>
+        </pc:picChg>
+        <pc:picChg chg="mod">
+          <ac:chgData name="Graf Thomas, INI-NET-VNC-HCS" userId="487bc3e3-9ce7-4cdd-b7b4-8899ea88d289" providerId="ADAL" clId="{3663A84C-79C5-48AF-B3E1-03B433D898CA}" dt="2024-09-06T11:40:39.210" v="702" actId="1076"/>
+          <ac:picMkLst>
+            <pc:docMk/>
+            <pc:sldMk cId="3254418192" sldId="2145706290"/>
+            <ac:picMk id="4" creationId="{4DAC9546-B09D-A0B9-5C6E-D8B53F098514}"/>
+          </ac:picMkLst>
+        </pc:picChg>
+        <pc:picChg chg="mod">
+          <ac:chgData name="Graf Thomas, INI-NET-VNC-HCS" userId="487bc3e3-9ce7-4cdd-b7b4-8899ea88d289" providerId="ADAL" clId="{3663A84C-79C5-48AF-B3E1-03B433D898CA}" dt="2024-09-06T11:41:40.261" v="721" actId="1076"/>
+          <ac:picMkLst>
+            <pc:docMk/>
+            <pc:sldMk cId="3254418192" sldId="2145706290"/>
+            <ac:picMk id="22" creationId="{9C26D07A-EAA1-1142-73EF-5A3288679C15}"/>
+          </ac:picMkLst>
+        </pc:picChg>
+        <pc:picChg chg="mod">
+          <ac:chgData name="Graf Thomas, INI-NET-VNC-HCS" userId="487bc3e3-9ce7-4cdd-b7b4-8899ea88d289" providerId="ADAL" clId="{3663A84C-79C5-48AF-B3E1-03B433D898CA}" dt="2024-09-06T11:40:36.051" v="700" actId="1076"/>
+          <ac:picMkLst>
+            <pc:docMk/>
+            <pc:sldMk cId="3254418192" sldId="2145706290"/>
+            <ac:picMk id="28" creationId="{902489DE-F809-4491-97BA-957BEDA6A2AA}"/>
+          </ac:picMkLst>
+        </pc:picChg>
+        <pc:picChg chg="mod">
           <ac:chgData name="Graf Thomas, INI-NET-VNC-HCS" userId="487bc3e3-9ce7-4cdd-b7b4-8899ea88d289" providerId="ADAL" clId="{3663A84C-79C5-48AF-B3E1-03B433D898CA}" dt="2024-09-06T09:03:54.778" v="174" actId="1036"/>
           <ac:picMkLst>
             <pc:docMk/>
@@ -557,6 +605,62 @@
             <ac:picMk id="40" creationId="{CE0455F3-D9C5-815D-8F04-352BF98B3E35}"/>
           </ac:picMkLst>
         </pc:picChg>
+        <pc:picChg chg="mod">
+          <ac:chgData name="Graf Thomas, INI-NET-VNC-HCS" userId="487bc3e3-9ce7-4cdd-b7b4-8899ea88d289" providerId="ADAL" clId="{3663A84C-79C5-48AF-B3E1-03B433D898CA}" dt="2024-09-06T11:40:55.073" v="708" actId="1076"/>
+          <ac:picMkLst>
+            <pc:docMk/>
+            <pc:sldMk cId="3254418192" sldId="2145706290"/>
+            <ac:picMk id="46" creationId="{2FFDB0D4-E444-256B-B862-0E2882DF0AB3}"/>
+          </ac:picMkLst>
+        </pc:picChg>
+        <pc:picChg chg="mod">
+          <ac:chgData name="Graf Thomas, INI-NET-VNC-HCS" userId="487bc3e3-9ce7-4cdd-b7b4-8899ea88d289" providerId="ADAL" clId="{3663A84C-79C5-48AF-B3E1-03B433D898CA}" dt="2024-09-06T11:40:44.221" v="704" actId="1076"/>
+          <ac:picMkLst>
+            <pc:docMk/>
+            <pc:sldMk cId="3254418192" sldId="2145706290"/>
+            <ac:picMk id="49" creationId="{EF6B390E-5877-9297-712A-9BE3172861BB}"/>
+          </ac:picMkLst>
+        </pc:picChg>
+        <pc:cxnChg chg="mod">
+          <ac:chgData name="Graf Thomas, INI-NET-VNC-HCS" userId="487bc3e3-9ce7-4cdd-b7b4-8899ea88d289" providerId="ADAL" clId="{3663A84C-79C5-48AF-B3E1-03B433D898CA}" dt="2024-09-06T11:41:49.992" v="723" actId="14100"/>
+          <ac:cxnSpMkLst>
+            <pc:docMk/>
+            <pc:sldMk cId="3254418192" sldId="2145706290"/>
+            <ac:cxnSpMk id="5" creationId="{000125EC-6F9E-5557-FFDC-E3069096210F}"/>
+          </ac:cxnSpMkLst>
+        </pc:cxnChg>
+        <pc:cxnChg chg="mod">
+          <ac:chgData name="Graf Thomas, INI-NET-VNC-HCS" userId="487bc3e3-9ce7-4cdd-b7b4-8899ea88d289" providerId="ADAL" clId="{3663A84C-79C5-48AF-B3E1-03B433D898CA}" dt="2024-09-06T11:40:40.754" v="703" actId="1076"/>
+          <ac:cxnSpMkLst>
+            <pc:docMk/>
+            <pc:sldMk cId="3254418192" sldId="2145706290"/>
+            <ac:cxnSpMk id="30" creationId="{35C02EC7-F8AF-FEEA-2F3A-991690A27758}"/>
+          </ac:cxnSpMkLst>
+        </pc:cxnChg>
+        <pc:cxnChg chg="mod">
+          <ac:chgData name="Graf Thomas, INI-NET-VNC-HCS" userId="487bc3e3-9ce7-4cdd-b7b4-8899ea88d289" providerId="ADAL" clId="{3663A84C-79C5-48AF-B3E1-03B433D898CA}" dt="2024-09-06T11:41:33.393" v="719" actId="14100"/>
+          <ac:cxnSpMkLst>
+            <pc:docMk/>
+            <pc:sldMk cId="3254418192" sldId="2145706290"/>
+            <ac:cxnSpMk id="32" creationId="{A7E66736-C5E9-2C83-DF64-1A2A72348EFD}"/>
+          </ac:cxnSpMkLst>
+        </pc:cxnChg>
+        <pc:cxnChg chg="mod">
+          <ac:chgData name="Graf Thomas, INI-NET-VNC-HCS" userId="487bc3e3-9ce7-4cdd-b7b4-8899ea88d289" providerId="ADAL" clId="{3663A84C-79C5-48AF-B3E1-03B433D898CA}" dt="2024-09-06T11:41:36.781" v="720" actId="1076"/>
+          <ac:cxnSpMkLst>
+            <pc:docMk/>
+            <pc:sldMk cId="3254418192" sldId="2145706290"/>
+            <ac:cxnSpMk id="34" creationId="{ECCB1A70-0E59-E058-9E02-E545175E4CA7}"/>
+          </ac:cxnSpMkLst>
+        </pc:cxnChg>
+        <pc:cxnChg chg="mod">
+          <ac:chgData name="Graf Thomas, INI-NET-VNC-HCS" userId="487bc3e3-9ce7-4cdd-b7b4-8899ea88d289" providerId="ADAL" clId="{3663A84C-79C5-48AF-B3E1-03B433D898CA}" dt="2024-09-06T11:40:49.789" v="707" actId="1076"/>
+          <ac:cxnSpMkLst>
+            <pc:docMk/>
+            <pc:sldMk cId="3254418192" sldId="2145706290"/>
+            <ac:cxnSpMk id="50" creationId="{A2A693C2-9339-5D7D-2CD4-774A34A596DB}"/>
+          </ac:cxnSpMkLst>
+        </pc:cxnChg>
       </pc:sldChg>
       <pc:sldChg chg="addSp delSp modSp add mod">
         <pc:chgData name="Graf Thomas, INI-NET-VNC-HCS" userId="487bc3e3-9ce7-4cdd-b7b4-8899ea88d289" providerId="ADAL" clId="{3663A84C-79C5-48AF-B3E1-03B433D898CA}" dt="2024-09-06T09:47:42.276" v="629" actId="478"/>
@@ -749,7 +853,7 @@
         </pc:cxnChg>
       </pc:sldChg>
       <pc:sldChg chg="addSp delSp modSp add mod ord">
-        <pc:chgData name="Graf Thomas, INI-NET-VNC-HCS" userId="487bc3e3-9ce7-4cdd-b7b4-8899ea88d289" providerId="ADAL" clId="{3663A84C-79C5-48AF-B3E1-03B433D898CA}" dt="2024-09-06T09:24:02.220" v="356" actId="255"/>
+        <pc:chgData name="Graf Thomas, INI-NET-VNC-HCS" userId="487bc3e3-9ce7-4cdd-b7b4-8899ea88d289" providerId="ADAL" clId="{3663A84C-79C5-48AF-B3E1-03B433D898CA}" dt="2024-09-06T11:42:49.387" v="731" actId="1076"/>
         <pc:sldMkLst>
           <pc:docMk/>
           <pc:sldMk cId="3326317404" sldId="2145706297"/>
@@ -760,6 +864,14 @@
             <pc:docMk/>
             <pc:sldMk cId="3326317404" sldId="2145706297"/>
             <ac:spMk id="2" creationId="{5939124C-67BA-49D8-5E9E-97A906154C57}"/>
+          </ac:spMkLst>
+        </pc:spChg>
+        <pc:spChg chg="mod">
+          <ac:chgData name="Graf Thomas, INI-NET-VNC-HCS" userId="487bc3e3-9ce7-4cdd-b7b4-8899ea88d289" providerId="ADAL" clId="{3663A84C-79C5-48AF-B3E1-03B433D898CA}" dt="2024-09-06T11:42:47.725" v="730" actId="14100"/>
+          <ac:spMkLst>
+            <pc:docMk/>
+            <pc:sldMk cId="3326317404" sldId="2145706297"/>
+            <ac:spMk id="5" creationId="{5C2956D9-21C7-308D-6DC1-343EDF11047B}"/>
           </ac:spMkLst>
         </pc:spChg>
         <pc:spChg chg="add del mod">
@@ -778,6 +890,14 @@
             <ac:spMk id="8" creationId="{FBE5644D-AF4A-4732-B3D8-A1D12FF5A0D4}"/>
           </ac:spMkLst>
         </pc:spChg>
+        <pc:picChg chg="add mod">
+          <ac:chgData name="Graf Thomas, INI-NET-VNC-HCS" userId="487bc3e3-9ce7-4cdd-b7b4-8899ea88d289" providerId="ADAL" clId="{3663A84C-79C5-48AF-B3E1-03B433D898CA}" dt="2024-09-06T11:42:49.387" v="731" actId="1076"/>
+          <ac:picMkLst>
+            <pc:docMk/>
+            <pc:sldMk cId="3326317404" sldId="2145706297"/>
+            <ac:picMk id="4" creationId="{9957FF2A-1726-269B-FEF0-38B8C18BCCB9}"/>
+          </ac:picMkLst>
+        </pc:picChg>
       </pc:sldChg>
       <pc:sldChg chg="addSp delSp modSp add mod">
         <pc:chgData name="Graf Thomas, INI-NET-VNC-HCS" userId="487bc3e3-9ce7-4cdd-b7b4-8899ea88d289" providerId="ADAL" clId="{3663A84C-79C5-48AF-B3E1-03B433D898CA}" dt="2024-09-06T09:46:25.013" v="624" actId="478"/>
@@ -843,7 +963,7 @@
         </pc:picChg>
       </pc:sldChg>
       <pc:sldChg chg="addSp delSp modSp add mod">
-        <pc:chgData name="Graf Thomas, INI-NET-VNC-HCS" userId="487bc3e3-9ce7-4cdd-b7b4-8899ea88d289" providerId="ADAL" clId="{3663A84C-79C5-48AF-B3E1-03B433D898CA}" dt="2024-09-06T09:24:35.890" v="361" actId="255"/>
+        <pc:chgData name="Graf Thomas, INI-NET-VNC-HCS" userId="487bc3e3-9ce7-4cdd-b7b4-8899ea88d289" providerId="ADAL" clId="{3663A84C-79C5-48AF-B3E1-03B433D898CA}" dt="2024-09-06T11:35:30.307" v="658" actId="255"/>
         <pc:sldMkLst>
           <pc:docMk/>
           <pc:sldMk cId="2242071639" sldId="2145706305"/>
@@ -881,7 +1001,7 @@
           </ac:spMkLst>
         </pc:spChg>
         <pc:spChg chg="mod">
-          <ac:chgData name="Graf Thomas, INI-NET-VNC-HCS" userId="487bc3e3-9ce7-4cdd-b7b4-8899ea88d289" providerId="ADAL" clId="{3663A84C-79C5-48AF-B3E1-03B433D898CA}" dt="2024-09-06T09:13:05.689" v="322" actId="1036"/>
+          <ac:chgData name="Graf Thomas, INI-NET-VNC-HCS" userId="487bc3e3-9ce7-4cdd-b7b4-8899ea88d289" providerId="ADAL" clId="{3663A84C-79C5-48AF-B3E1-03B433D898CA}" dt="2024-09-06T11:35:30.307" v="658" actId="255"/>
           <ac:spMkLst>
             <pc:docMk/>
             <pc:sldMk cId="2242071639" sldId="2145706305"/>
@@ -914,7 +1034,7 @@
         </pc:cxnChg>
       </pc:sldChg>
       <pc:sldChg chg="addSp delSp modSp add mod">
-        <pc:chgData name="Graf Thomas, INI-NET-VNC-HCS" userId="487bc3e3-9ce7-4cdd-b7b4-8899ea88d289" providerId="ADAL" clId="{3663A84C-79C5-48AF-B3E1-03B433D898CA}" dt="2024-09-06T09:24:07.075" v="357" actId="255"/>
+        <pc:chgData name="Graf Thomas, INI-NET-VNC-HCS" userId="487bc3e3-9ce7-4cdd-b7b4-8899ea88d289" providerId="ADAL" clId="{3663A84C-79C5-48AF-B3E1-03B433D898CA}" dt="2024-09-06T11:34:44.082" v="653" actId="255"/>
         <pc:sldMkLst>
           <pc:docMk/>
           <pc:sldMk cId="3306219172" sldId="2145706306"/>
@@ -944,7 +1064,7 @@
           </ac:spMkLst>
         </pc:spChg>
         <pc:spChg chg="mod">
-          <ac:chgData name="Graf Thomas, INI-NET-VNC-HCS" userId="487bc3e3-9ce7-4cdd-b7b4-8899ea88d289" providerId="ADAL" clId="{3663A84C-79C5-48AF-B3E1-03B433D898CA}" dt="2024-09-06T09:06:46.196" v="213" actId="1035"/>
+          <ac:chgData name="Graf Thomas, INI-NET-VNC-HCS" userId="487bc3e3-9ce7-4cdd-b7b4-8899ea88d289" providerId="ADAL" clId="{3663A84C-79C5-48AF-B3E1-03B433D898CA}" dt="2024-09-06T11:34:44.082" v="653" actId="255"/>
           <ac:spMkLst>
             <pc:docMk/>
             <pc:sldMk cId="3306219172" sldId="2145706306"/>
@@ -952,7 +1072,7 @@
           </ac:spMkLst>
         </pc:spChg>
         <pc:spChg chg="mod">
-          <ac:chgData name="Graf Thomas, INI-NET-VNC-HCS" userId="487bc3e3-9ce7-4cdd-b7b4-8899ea88d289" providerId="ADAL" clId="{3663A84C-79C5-48AF-B3E1-03B433D898CA}" dt="2024-09-06T09:06:46.196" v="213" actId="1035"/>
+          <ac:chgData name="Graf Thomas, INI-NET-VNC-HCS" userId="487bc3e3-9ce7-4cdd-b7b4-8899ea88d289" providerId="ADAL" clId="{3663A84C-79C5-48AF-B3E1-03B433D898CA}" dt="2024-09-06T11:34:44.082" v="653" actId="255"/>
           <ac:spMkLst>
             <pc:docMk/>
             <pc:sldMk cId="3306219172" sldId="2145706306"/>
@@ -1182,13 +1302,13 @@
         </pc:cxnChg>
       </pc:sldChg>
       <pc:sldChg chg="addSp delSp modSp add mod ord">
-        <pc:chgData name="Graf Thomas, INI-NET-VNC-HCS" userId="487bc3e3-9ce7-4cdd-b7b4-8899ea88d289" providerId="ADAL" clId="{3663A84C-79C5-48AF-B3E1-03B433D898CA}" dt="2024-09-06T09:30:47.473" v="548"/>
+        <pc:chgData name="Graf Thomas, INI-NET-VNC-HCS" userId="487bc3e3-9ce7-4cdd-b7b4-8899ea88d289" providerId="ADAL" clId="{3663A84C-79C5-48AF-B3E1-03B433D898CA}" dt="2024-09-06T11:43:39.886" v="734" actId="255"/>
         <pc:sldMkLst>
           <pc:docMk/>
           <pc:sldMk cId="1513516827" sldId="2145706311"/>
         </pc:sldMkLst>
         <pc:spChg chg="mod">
-          <ac:chgData name="Graf Thomas, INI-NET-VNC-HCS" userId="487bc3e3-9ce7-4cdd-b7b4-8899ea88d289" providerId="ADAL" clId="{3663A84C-79C5-48AF-B3E1-03B433D898CA}" dt="2024-09-06T09:09:19.533" v="260" actId="1036"/>
+          <ac:chgData name="Graf Thomas, INI-NET-VNC-HCS" userId="487bc3e3-9ce7-4cdd-b7b4-8899ea88d289" providerId="ADAL" clId="{3663A84C-79C5-48AF-B3E1-03B433D898CA}" dt="2024-09-06T11:43:39.886" v="734" actId="255"/>
           <ac:spMkLst>
             <pc:docMk/>
             <pc:sldMk cId="1513516827" sldId="2145706311"/>
@@ -1196,7 +1316,7 @@
           </ac:spMkLst>
         </pc:spChg>
         <pc:spChg chg="add mod">
-          <ac:chgData name="Graf Thomas, INI-NET-VNC-HCS" userId="487bc3e3-9ce7-4cdd-b7b4-8899ea88d289" providerId="ADAL" clId="{3663A84C-79C5-48AF-B3E1-03B433D898CA}" dt="2024-09-06T09:24:17.289" v="359" actId="255"/>
+          <ac:chgData name="Graf Thomas, INI-NET-VNC-HCS" userId="487bc3e3-9ce7-4cdd-b7b4-8899ea88d289" providerId="ADAL" clId="{3663A84C-79C5-48AF-B3E1-03B433D898CA}" dt="2024-09-06T11:43:34.899" v="733" actId="1076"/>
           <ac:spMkLst>
             <pc:docMk/>
             <pc:sldMk cId="1513516827" sldId="2145706311"/>
@@ -1220,7 +1340,7 @@
           </ac:spMkLst>
         </pc:spChg>
         <pc:spChg chg="mod">
-          <ac:chgData name="Graf Thomas, INI-NET-VNC-HCS" userId="487bc3e3-9ce7-4cdd-b7b4-8899ea88d289" providerId="ADAL" clId="{3663A84C-79C5-48AF-B3E1-03B433D898CA}" dt="2024-09-06T09:09:28.802" v="261" actId="1076"/>
+          <ac:chgData name="Graf Thomas, INI-NET-VNC-HCS" userId="487bc3e3-9ce7-4cdd-b7b4-8899ea88d289" providerId="ADAL" clId="{3663A84C-79C5-48AF-B3E1-03B433D898CA}" dt="2024-09-06T11:43:39.886" v="734" actId="255"/>
           <ac:spMkLst>
             <pc:docMk/>
             <pc:sldMk cId="1513516827" sldId="2145706311"/>
@@ -1253,7 +1373,7 @@
         </pc:picChg>
       </pc:sldChg>
       <pc:sldChg chg="addSp delSp modSp add mod">
-        <pc:chgData name="Graf Thomas, INI-NET-VNC-HCS" userId="487bc3e3-9ce7-4cdd-b7b4-8899ea88d289" providerId="ADAL" clId="{3663A84C-79C5-48AF-B3E1-03B433D898CA}" dt="2024-09-06T09:24:11.671" v="358" actId="255"/>
+        <pc:chgData name="Graf Thomas, INI-NET-VNC-HCS" userId="487bc3e3-9ce7-4cdd-b7b4-8899ea88d289" providerId="ADAL" clId="{3663A84C-79C5-48AF-B3E1-03B433D898CA}" dt="2024-09-06T11:34:55.247" v="654" actId="255"/>
         <pc:sldMkLst>
           <pc:docMk/>
           <pc:sldMk cId="2039079038" sldId="2145706312"/>
@@ -1267,7 +1387,7 @@
           </ac:spMkLst>
         </pc:spChg>
         <pc:spChg chg="mod">
-          <ac:chgData name="Graf Thomas, INI-NET-VNC-HCS" userId="487bc3e3-9ce7-4cdd-b7b4-8899ea88d289" providerId="ADAL" clId="{3663A84C-79C5-48AF-B3E1-03B433D898CA}" dt="2024-09-06T09:08:06.881" v="228" actId="20577"/>
+          <ac:chgData name="Graf Thomas, INI-NET-VNC-HCS" userId="487bc3e3-9ce7-4cdd-b7b4-8899ea88d289" providerId="ADAL" clId="{3663A84C-79C5-48AF-B3E1-03B433D898CA}" dt="2024-09-06T11:34:55.247" v="654" actId="255"/>
           <ac:spMkLst>
             <pc:docMk/>
             <pc:sldMk cId="2039079038" sldId="2145706312"/>
@@ -1275,7 +1395,7 @@
           </ac:spMkLst>
         </pc:spChg>
         <pc:spChg chg="mod">
-          <ac:chgData name="Graf Thomas, INI-NET-VNC-HCS" userId="487bc3e3-9ce7-4cdd-b7b4-8899ea88d289" providerId="ADAL" clId="{3663A84C-79C5-48AF-B3E1-03B433D898CA}" dt="2024-09-06T09:08:10.353" v="234" actId="20577"/>
+          <ac:chgData name="Graf Thomas, INI-NET-VNC-HCS" userId="487bc3e3-9ce7-4cdd-b7b4-8899ea88d289" providerId="ADAL" clId="{3663A84C-79C5-48AF-B3E1-03B433D898CA}" dt="2024-09-06T11:34:55.247" v="654" actId="255"/>
           <ac:spMkLst>
             <pc:docMk/>
             <pc:sldMk cId="2039079038" sldId="2145706312"/>
@@ -1324,7 +1444,7 @@
         </pc:picChg>
       </pc:sldChg>
       <pc:sldChg chg="addSp delSp modSp add mod">
-        <pc:chgData name="Graf Thomas, INI-NET-VNC-HCS" userId="487bc3e3-9ce7-4cdd-b7b4-8899ea88d289" providerId="ADAL" clId="{3663A84C-79C5-48AF-B3E1-03B433D898CA}" dt="2024-09-06T09:37:46.187" v="585" actId="113"/>
+        <pc:chgData name="Graf Thomas, INI-NET-VNC-HCS" userId="487bc3e3-9ce7-4cdd-b7b4-8899ea88d289" providerId="ADAL" clId="{3663A84C-79C5-48AF-B3E1-03B433D898CA}" dt="2024-09-06T11:53:39.677" v="1053" actId="20577"/>
         <pc:sldMkLst>
           <pc:docMk/>
           <pc:sldMk cId="1612286370" sldId="2145706313"/>
@@ -1337,6 +1457,14 @@
             <ac:spMk id="2" creationId="{9F035C53-0622-4E84-36C1-A162A2A1A2E8}"/>
           </ac:spMkLst>
         </pc:spChg>
+        <pc:spChg chg="mod">
+          <ac:chgData name="Graf Thomas, INI-NET-VNC-HCS" userId="487bc3e3-9ce7-4cdd-b7b4-8899ea88d289" providerId="ADAL" clId="{3663A84C-79C5-48AF-B3E1-03B433D898CA}" dt="2024-09-06T11:44:00.461" v="737" actId="2711"/>
+          <ac:spMkLst>
+            <pc:docMk/>
+            <pc:sldMk cId="1612286370" sldId="2145706313"/>
+            <ac:spMk id="3" creationId="{9690665C-8566-4537-9D7A-7F19909CBCF1}"/>
+          </ac:spMkLst>
+        </pc:spChg>
         <pc:spChg chg="del">
           <ac:chgData name="Graf Thomas, INI-NET-VNC-HCS" userId="487bc3e3-9ce7-4cdd-b7b4-8899ea88d289" providerId="ADAL" clId="{3663A84C-79C5-48AF-B3E1-03B433D898CA}" dt="2024-09-06T09:34:56.384" v="570" actId="478"/>
           <ac:spMkLst>
@@ -1346,7 +1474,7 @@
           </ac:spMkLst>
         </pc:spChg>
         <pc:spChg chg="add mod">
-          <ac:chgData name="Graf Thomas, INI-NET-VNC-HCS" userId="487bc3e3-9ce7-4cdd-b7b4-8899ea88d289" providerId="ADAL" clId="{3663A84C-79C5-48AF-B3E1-03B433D898CA}" dt="2024-09-06T09:37:46.187" v="585" actId="113"/>
+          <ac:chgData name="Graf Thomas, INI-NET-VNC-HCS" userId="487bc3e3-9ce7-4cdd-b7b4-8899ea88d289" providerId="ADAL" clId="{3663A84C-79C5-48AF-B3E1-03B433D898CA}" dt="2024-09-06T11:49:01.169" v="872" actId="12"/>
           <ac:spMkLst>
             <pc:docMk/>
             <pc:sldMk cId="1612286370" sldId="2145706313"/>
@@ -1354,23 +1482,23 @@
           </ac:spMkLst>
         </pc:spChg>
         <pc:spChg chg="add mod">
-          <ac:chgData name="Graf Thomas, INI-NET-VNC-HCS" userId="487bc3e3-9ce7-4cdd-b7b4-8899ea88d289" providerId="ADAL" clId="{3663A84C-79C5-48AF-B3E1-03B433D898CA}" dt="2024-09-06T09:36:12.001" v="578" actId="14100"/>
+          <ac:chgData name="Graf Thomas, INI-NET-VNC-HCS" userId="487bc3e3-9ce7-4cdd-b7b4-8899ea88d289" providerId="ADAL" clId="{3663A84C-79C5-48AF-B3E1-03B433D898CA}" dt="2024-09-06T11:53:39.677" v="1053" actId="20577"/>
           <ac:spMkLst>
             <pc:docMk/>
             <pc:sldMk cId="1612286370" sldId="2145706313"/>
             <ac:spMk id="8" creationId="{295D4D70-D5AA-3C64-DE30-E3CD42B4CF62}"/>
           </ac:spMkLst>
         </pc:spChg>
-        <pc:spChg chg="add mod">
-          <ac:chgData name="Graf Thomas, INI-NET-VNC-HCS" userId="487bc3e3-9ce7-4cdd-b7b4-8899ea88d289" providerId="ADAL" clId="{3663A84C-79C5-48AF-B3E1-03B433D898CA}" dt="2024-09-06T09:35:06.080" v="571"/>
+        <pc:spChg chg="add del mod">
+          <ac:chgData name="Graf Thomas, INI-NET-VNC-HCS" userId="487bc3e3-9ce7-4cdd-b7b4-8899ea88d289" providerId="ADAL" clId="{3663A84C-79C5-48AF-B3E1-03B433D898CA}" dt="2024-09-06T11:47:14.037" v="860" actId="478"/>
           <ac:spMkLst>
             <pc:docMk/>
             <pc:sldMk cId="1612286370" sldId="2145706313"/>
             <ac:spMk id="9" creationId="{B046A222-B260-412D-E33D-3DB670CCDC19}"/>
           </ac:spMkLst>
         </pc:spChg>
-        <pc:spChg chg="add mod">
-          <ac:chgData name="Graf Thomas, INI-NET-VNC-HCS" userId="487bc3e3-9ce7-4cdd-b7b4-8899ea88d289" providerId="ADAL" clId="{3663A84C-79C5-48AF-B3E1-03B433D898CA}" dt="2024-09-06T09:35:06.080" v="571"/>
+        <pc:spChg chg="add del mod">
+          <ac:chgData name="Graf Thomas, INI-NET-VNC-HCS" userId="487bc3e3-9ce7-4cdd-b7b4-8899ea88d289" providerId="ADAL" clId="{3663A84C-79C5-48AF-B3E1-03B433D898CA}" dt="2024-09-06T11:47:14.037" v="860" actId="478"/>
           <ac:spMkLst>
             <pc:docMk/>
             <pc:sldMk cId="1612286370" sldId="2145706313"/>
@@ -1378,7 +1506,7 @@
           </ac:spMkLst>
         </pc:spChg>
         <pc:spChg chg="add mod">
-          <ac:chgData name="Graf Thomas, INI-NET-VNC-HCS" userId="487bc3e3-9ce7-4cdd-b7b4-8899ea88d289" providerId="ADAL" clId="{3663A84C-79C5-48AF-B3E1-03B433D898CA}" dt="2024-09-06T09:35:46.289" v="577" actId="14100"/>
+          <ac:chgData name="Graf Thomas, INI-NET-VNC-HCS" userId="487bc3e3-9ce7-4cdd-b7b4-8899ea88d289" providerId="ADAL" clId="{3663A84C-79C5-48AF-B3E1-03B433D898CA}" dt="2024-09-06T11:47:06.587" v="849" actId="14100"/>
           <ac:spMkLst>
             <pc:docMk/>
             <pc:sldMk cId="1612286370" sldId="2145706313"/>
@@ -1386,7 +1514,7 @@
           </ac:spMkLst>
         </pc:spChg>
         <pc:spChg chg="add mod">
-          <ac:chgData name="Graf Thomas, INI-NET-VNC-HCS" userId="487bc3e3-9ce7-4cdd-b7b4-8899ea88d289" providerId="ADAL" clId="{3663A84C-79C5-48AF-B3E1-03B433D898CA}" dt="2024-09-06T09:36:57.317" v="580" actId="113"/>
+          <ac:chgData name="Graf Thomas, INI-NET-VNC-HCS" userId="487bc3e3-9ce7-4cdd-b7b4-8899ea88d289" providerId="ADAL" clId="{3663A84C-79C5-48AF-B3E1-03B433D898CA}" dt="2024-09-06T11:49:36.751" v="875" actId="12"/>
           <ac:spMkLst>
             <pc:docMk/>
             <pc:sldMk cId="1612286370" sldId="2145706313"/>
@@ -11171,7 +11299,7 @@
         <p:spPr>
           <a:xfrm>
             <a:off x="8898492" y="2045718"/>
-            <a:ext cx="2186539" cy="461665"/>
+            <a:ext cx="2186539" cy="507831"/>
           </a:xfrm>
           <a:prstGeom prst="rect">
             <a:avLst/>
@@ -11185,31 +11313,31 @@
           <a:p>
             <a:pPr algn="ctr"/>
             <a:r>
-              <a:rPr lang="de-CH" sz="1200" b="1" dirty="0" err="1"/>
+              <a:rPr lang="de-CH" sz="1350" b="1" dirty="0" err="1"/>
               <a:t>Pre</a:t>
             </a:r>
             <a:r>
-              <a:rPr lang="de-CH" sz="1200" b="1" dirty="0"/>
+              <a:rPr lang="de-CH" sz="1350" b="1" dirty="0"/>
               <a:t> </a:t>
             </a:r>
             <a:r>
-              <a:rPr lang="de-CH" sz="1200" b="1" dirty="0" err="1"/>
+              <a:rPr lang="de-CH" sz="1350" b="1" dirty="0" err="1"/>
               <a:t>Defined</a:t>
             </a:r>
             <a:r>
-              <a:rPr lang="de-CH" sz="1200" b="1" dirty="0"/>
+              <a:rPr lang="de-CH" sz="1350" b="1" dirty="0"/>
               <a:t> </a:t>
             </a:r>
             <a:r>
-              <a:rPr lang="de-CH" sz="1200" b="1" dirty="0" err="1"/>
+              <a:rPr lang="de-CH" sz="1350" b="1" dirty="0" err="1"/>
               <a:t>Dasboard</a:t>
             </a:r>
             <a:r>
-              <a:rPr lang="de-CH" sz="1200" b="1" dirty="0"/>
+              <a:rPr lang="de-CH" sz="1350" b="1" dirty="0"/>
               <a:t> </a:t>
             </a:r>
             <a:r>
-              <a:rPr lang="de-CH" sz="1200" b="1" dirty="0" err="1">
+              <a:rPr lang="de-CH" sz="1350" b="1" dirty="0" err="1">
                 <a:solidFill>
                   <a:srgbClr val="FF0000"/>
                 </a:solidFill>
@@ -11217,7 +11345,7 @@
               <a:t>for</a:t>
             </a:r>
             <a:r>
-              <a:rPr lang="de-CH" sz="1200" b="1" dirty="0">
+              <a:rPr lang="de-CH" sz="1350" b="1" dirty="0">
                 <a:solidFill>
                   <a:srgbClr val="FF0000"/>
                 </a:solidFill>
@@ -11225,7 +11353,7 @@
               <a:t> Lab </a:t>
             </a:r>
             <a:r>
-              <a:rPr lang="de-CH" sz="1200" b="1" dirty="0" err="1">
+              <a:rPr lang="de-CH" sz="1350" b="1" dirty="0" err="1">
                 <a:solidFill>
                   <a:srgbClr val="FF0000"/>
                 </a:solidFill>
@@ -11233,7 +11361,7 @@
               <a:t>Reproduction</a:t>
             </a:r>
             <a:r>
-              <a:rPr lang="en-US" sz="1200" b="1" dirty="0"/>
+              <a:rPr lang="en-US" sz="1350" b="1" dirty="0"/>
               <a:t> </a:t>
             </a:r>
           </a:p>
@@ -11313,8 +11441,8 @@
         </p:nvSpPr>
         <p:spPr>
           <a:xfrm rot="527780">
-            <a:off x="9348167" y="841331"/>
-            <a:ext cx="1819275" cy="830997"/>
+            <a:off x="9348167" y="691290"/>
+            <a:ext cx="1819275" cy="1131079"/>
           </a:xfrm>
           <a:prstGeom prst="rect">
             <a:avLst/>
@@ -11328,7 +11456,7 @@
           <a:p>
             <a:pPr algn="ctr"/>
             <a:r>
-              <a:rPr lang="en-US" sz="1200" b="1" dirty="0">
+              <a:rPr lang="en-US" sz="1350" b="1" dirty="0">
                 <a:solidFill>
                   <a:srgbClr val="FF0000"/>
                 </a:solidFill>
@@ -11339,14 +11467,14 @@
           <a:p>
             <a:pPr algn="ctr"/>
             <a:r>
-              <a:rPr lang="en-US" sz="1200" b="1" dirty="0">
+              <a:rPr lang="en-US" sz="1350" b="1" dirty="0">
                 <a:solidFill>
                   <a:srgbClr val="FF0000"/>
                 </a:solidFill>
               </a:rPr>
               <a:t>Identified Root Cause and Configuration Item</a:t>
             </a:r>
-            <a:endParaRPr lang="en-US" sz="1200" dirty="0">
+            <a:endParaRPr lang="en-US" sz="1350" dirty="0">
               <a:solidFill>
                 <a:srgbClr val="FF0000"/>
               </a:solidFill>
@@ -11473,11 +11601,15 @@
           <a:lstStyle/>
           <a:p>
             <a:fld id="{8FF9B0DE-3FEB-4AA0-B465-B80EF7C1333D}" type="slidenum">
-              <a:rPr lang="en-US" smtClean="0"/>
+              <a:rPr lang="en-US" smtClean="0">
+                <a:latin typeface="+mj-lt"/>
+              </a:rPr>
               <a:pPr/>
               <a:t>16</a:t>
             </a:fld>
-            <a:endParaRPr lang="en-US"/>
+            <a:endParaRPr lang="en-US">
+              <a:latin typeface="+mj-lt"/>
+            </a:endParaRPr>
           </a:p>
         </p:txBody>
       </p:sp>
@@ -11497,8 +11629,8 @@
         </p:nvSpPr>
         <p:spPr bwMode="black">
           <a:xfrm>
-            <a:off x="4081994" y="329640"/>
-            <a:ext cx="7719482" cy="1389676"/>
+            <a:off x="3573624" y="329640"/>
+            <a:ext cx="8227852" cy="1389676"/>
           </a:xfrm>
           <a:prstGeom prst="rect">
             <a:avLst/>
@@ -11716,7 +11848,7 @@
               <a:defRPr/>
             </a:pPr>
             <a:r>
-              <a:rPr kumimoji="0" lang="en-US" sz="1600" b="1" i="0" u="none" strike="noStrike" kern="1200" cap="none" spc="0" normalizeH="0" baseline="0" noProof="0" dirty="0">
+              <a:rPr kumimoji="0" lang="en-US" b="1" i="0" u="none" strike="noStrike" kern="1200" cap="none" spc="0" normalizeH="0" baseline="0" noProof="0" dirty="0">
                 <a:ln>
                   <a:noFill/>
                 </a:ln>
@@ -11726,7 +11858,7 @@
                 <a:effectLst/>
                 <a:uLnTx/>
                 <a:uFillTx/>
-                <a:latin typeface="TheSans Swisscom Light"/>
+                <a:latin typeface="+mj-lt"/>
                 <a:ea typeface="+mn-ea"/>
                 <a:cs typeface="+mn-cs"/>
               </a:rPr>
@@ -11734,9 +11866,9 @@
             </a:r>
           </a:p>
           <a:p>
-            <a:pPr marL="0" marR="0" lvl="0" indent="0" algn="l" defTabSz="914400" rtl="0" eaLnBrk="1" fontAlgn="auto" latinLnBrk="0" hangingPunct="1">
+            <a:pPr marL="285750" marR="0" lvl="0" indent="-285750" algn="l" defTabSz="914400" rtl="0" eaLnBrk="1" fontAlgn="auto" latinLnBrk="0" hangingPunct="1">
               <a:lnSpc>
-                <a:spcPct val="110000"/>
+                <a:spcPct val="100000"/>
               </a:lnSpc>
               <a:spcBef>
                 <a:spcPts val="0"/>
@@ -11746,13 +11878,13 @@
               </a:spcAft>
               <a:buClrTx/>
               <a:buSzTx/>
-              <a:buFont typeface="Arial" panose="020B0604020202020204" pitchFamily="34" charset="0"/>
-              <a:buNone/>
+              <a:buFont typeface="Wingdings" panose="05000000000000000000" pitchFamily="2" charset="2"/>
+              <a:buChar char="Ø"/>
               <a:tabLst/>
               <a:defRPr/>
             </a:pPr>
             <a:r>
-              <a:rPr kumimoji="0" lang="en-US" sz="1200" i="0" u="none" strike="noStrike" kern="1200" cap="none" spc="0" normalizeH="0" baseline="0" noProof="0" dirty="0">
+              <a:rPr kumimoji="0" lang="en-US" sz="1350" i="0" u="none" strike="noStrike" kern="1200" cap="none" spc="0" normalizeH="0" baseline="0" noProof="0" dirty="0">
                 <a:ln>
                   <a:noFill/>
                 </a:ln>
@@ -11762,14 +11894,14 @@
                 <a:effectLst/>
                 <a:uLnTx/>
                 <a:uFillTx/>
-                <a:latin typeface="TheSans Swisscom Light"/>
+                <a:latin typeface="+mj-lt"/>
                 <a:ea typeface="+mn-ea"/>
                 <a:cs typeface="+mn-cs"/>
               </a:rPr>
-              <a:t>Work in progress Cosmos Bright Lights real-time streaming Anomaly Detection exceeded in 2 out of 6 cases our expectations, </a:t>
-            </a:r>
-            <a:r>
-              <a:rPr kumimoji="0" lang="en-US" sz="1200" b="1" i="0" u="none" strike="noStrike" kern="1200" cap="none" spc="0" normalizeH="0" baseline="0" noProof="0" dirty="0">
+              <a:t>Work in progress Cosmos Bright Lights real-time streaming Anomaly Detection exceeded in 2 out of 6 cases expectations, </a:t>
+            </a:r>
+            <a:r>
+              <a:rPr kumimoji="0" lang="en-US" sz="1350" b="1" i="0" u="none" strike="noStrike" kern="1200" cap="none" spc="0" normalizeH="0" baseline="0" noProof="0" dirty="0">
                 <a:ln>
                   <a:noFill/>
                 </a:ln>
@@ -11779,14 +11911,14 @@
                 <a:effectLst/>
                 <a:uLnTx/>
                 <a:uFillTx/>
-                <a:latin typeface="TheSans Swisscom Light"/>
+                <a:latin typeface="+mj-lt"/>
                 <a:ea typeface="+mn-ea"/>
                 <a:cs typeface="+mn-cs"/>
               </a:rPr>
               <a:t>matching 100% our intend. Alert notifications were sent 120-180 seconds after operational metrics in the network were observed. </a:t>
             </a:r>
             <a:r>
-              <a:rPr kumimoji="0" lang="en-US" sz="1200" i="0" u="none" strike="noStrike" kern="1200" cap="none" spc="0" normalizeH="0" baseline="0" noProof="0" dirty="0">
+              <a:rPr kumimoji="0" lang="en-US" sz="1350" i="0" u="none" strike="noStrike" kern="1200" cap="none" spc="0" normalizeH="0" baseline="0" noProof="0" dirty="0">
                 <a:ln>
                   <a:noFill/>
                 </a:ln>
@@ -11796,17 +11928,17 @@
                 <a:effectLst/>
                 <a:uLnTx/>
                 <a:uFillTx/>
-                <a:latin typeface="TheSans Swisscom Light"/>
+                <a:latin typeface="+mj-lt"/>
                 <a:ea typeface="+mn-ea"/>
                 <a:cs typeface="+mn-cs"/>
               </a:rPr>
-              <a:t>60 seconds variable delay is due to 2 step flow aggregation process. The other 4 cases would have also worked perfectly if auto profiling feature would have been implemented already.</a:t>
-            </a:r>
-          </a:p>
-          <a:p>
-            <a:pPr marL="0" marR="0" lvl="0" indent="0" algn="l" defTabSz="914400" rtl="0" eaLnBrk="1" fontAlgn="auto" latinLnBrk="0" hangingPunct="1">
+              <a:t>60 seconds variable delay is due to 2 step flow aggregation process. The other 4 cases would have also worked as intended if auto profiling feature would have been implemented already.</a:t>
+            </a:r>
+          </a:p>
+          <a:p>
+            <a:pPr marL="285750" marR="0" lvl="0" indent="-285750" algn="l" defTabSz="914400" rtl="0" eaLnBrk="1" fontAlgn="auto" latinLnBrk="0" hangingPunct="1">
               <a:lnSpc>
-                <a:spcPct val="110000"/>
+                <a:spcPct val="100000"/>
               </a:lnSpc>
               <a:spcBef>
                 <a:spcPts val="0"/>
@@ -11816,13 +11948,13 @@
               </a:spcAft>
               <a:buClrTx/>
               <a:buSzTx/>
-              <a:buFont typeface="Arial" panose="020B0604020202020204" pitchFamily="34" charset="0"/>
-              <a:buNone/>
+              <a:buFont typeface="Wingdings" panose="05000000000000000000" pitchFamily="2" charset="2"/>
+              <a:buChar char="Ø"/>
               <a:tabLst/>
               <a:defRPr/>
             </a:pPr>
             <a:r>
-              <a:rPr kumimoji="0" lang="en-US" sz="1200" b="0" i="0" u="none" strike="noStrike" kern="1200" cap="none" spc="0" normalizeH="0" baseline="0" noProof="0" dirty="0">
+              <a:rPr kumimoji="0" lang="en-US" sz="1350" b="0" i="0" u="none" strike="noStrike" kern="1200" cap="none" spc="0" normalizeH="0" baseline="0" noProof="0" dirty="0">
                 <a:ln>
                   <a:noFill/>
                 </a:ln>
@@ -11832,14 +11964,14 @@
                 <a:effectLst/>
                 <a:uLnTx/>
                 <a:uFillTx/>
-                <a:latin typeface="TheSans Swisscom Light"/>
+                <a:latin typeface="+mj-lt"/>
                 <a:ea typeface="+mn-ea"/>
                 <a:cs typeface="+mn-cs"/>
               </a:rPr>
               <a:t>Based on experience in Seamless MPLS-SR migration, indirect visibility on provider edge is not sufficient to monitor core. </a:t>
             </a:r>
             <a:r>
-              <a:rPr kumimoji="0" lang="en-US" sz="1200" i="0" u="none" strike="noStrike" kern="1200" cap="none" spc="0" normalizeH="0" baseline="0" noProof="0" dirty="0">
+              <a:rPr kumimoji="0" lang="en-US" sz="1350" i="0" u="none" strike="noStrike" kern="1200" cap="none" spc="0" normalizeH="0" baseline="0" noProof="0" dirty="0">
                 <a:ln>
                   <a:noFill/>
                 </a:ln>
@@ -11849,14 +11981,14 @@
                 <a:effectLst/>
                 <a:uLnTx/>
                 <a:uFillTx/>
-                <a:latin typeface="TheSans Swisscom Light"/>
+                <a:latin typeface="+mj-lt"/>
                 <a:ea typeface="+mn-ea"/>
                 <a:cs typeface="+mn-cs"/>
               </a:rPr>
               <a:t>We derived the necessity to monitor underlay, however had to compromise in SRv6 limiting to forwarding plane only, which works exceptionally well,  </a:t>
             </a:r>
             <a:r>
-              <a:rPr kumimoji="0" lang="en-US" sz="1200" b="0" i="0" u="none" strike="noStrike" kern="1200" cap="none" spc="0" normalizeH="0" baseline="0" noProof="0" dirty="0">
+              <a:rPr kumimoji="0" lang="en-US" sz="1350" b="0" i="0" u="none" strike="noStrike" kern="1200" cap="none" spc="0" normalizeH="0" baseline="0" noProof="0" dirty="0">
                 <a:ln>
                   <a:noFill/>
                 </a:ln>
@@ -11866,17 +11998,17 @@
                 <a:effectLst/>
                 <a:uLnTx/>
                 <a:uFillTx/>
-                <a:latin typeface="TheSans Swisscom Light"/>
+                <a:latin typeface="+mj-lt"/>
                 <a:ea typeface="+mn-ea"/>
                 <a:cs typeface="+mn-cs"/>
               </a:rPr>
-              <a:t>and unfortunately not monitoring IS-IS control plane on day 1 since innovation curve was to high compared to resources available.</a:t>
-            </a:r>
-          </a:p>
-          <a:p>
-            <a:pPr marL="0" marR="0" lvl="0" indent="0" algn="l" defTabSz="914400" rtl="0" eaLnBrk="1" fontAlgn="auto" latinLnBrk="0" hangingPunct="1">
+              <a:t>and unfortunately not monitoring IS-IS control plane on day 1 since innovation curve was too high to ensure network being monitored in all aspects.</a:t>
+            </a:r>
+          </a:p>
+          <a:p>
+            <a:pPr marL="285750" marR="0" lvl="0" indent="-285750" algn="l" defTabSz="914400" rtl="0" eaLnBrk="1" fontAlgn="auto" latinLnBrk="0" hangingPunct="1">
               <a:lnSpc>
-                <a:spcPct val="110000"/>
+                <a:spcPct val="100000"/>
               </a:lnSpc>
               <a:spcBef>
                 <a:spcPts val="0"/>
@@ -11886,22 +12018,22 @@
               </a:spcAft>
               <a:buClrTx/>
               <a:buSzTx/>
-              <a:buFont typeface="Arial" panose="020B0604020202020204" pitchFamily="34" charset="0"/>
-              <a:buNone/>
+              <a:buFont typeface="Wingdings" panose="05000000000000000000" pitchFamily="2" charset="2"/>
+              <a:buChar char="Ø"/>
               <a:tabLst/>
               <a:defRPr/>
             </a:pPr>
             <a:r>
-              <a:rPr lang="en-US" sz="1200" dirty="0">
+              <a:rPr lang="en-US" sz="1350" dirty="0">
                 <a:solidFill>
                   <a:srgbClr val="001155"/>
                 </a:solidFill>
-                <a:latin typeface="TheSans Swisscom Light"/>
+                <a:latin typeface="+mj-lt"/>
               </a:rPr>
               <a:t>Anycast fast failover from ZHH to OLT with pre cached BMP collected BGP routing table avoided that undesired underlay routing topology change had negative impact on the Network </a:t>
             </a:r>
             <a:r>
-              <a:rPr kumimoji="0" lang="en-US" sz="1200" b="0" i="0" u="none" strike="noStrike" kern="1200" cap="none" spc="0" normalizeH="0" baseline="0" noProof="0" dirty="0">
+              <a:rPr kumimoji="0" lang="en-US" sz="1350" b="0" i="0" u="none" strike="noStrike" kern="1200" cap="none" spc="0" normalizeH="0" baseline="0" noProof="0" dirty="0">
                 <a:ln>
                   <a:noFill/>
                 </a:ln>
@@ -11911,7 +12043,7 @@
                 <a:effectLst/>
                 <a:uLnTx/>
                 <a:uFillTx/>
-                <a:latin typeface="TheSans Swisscom Light"/>
+                <a:latin typeface="+mj-lt"/>
                 <a:ea typeface="+mn-ea"/>
                 <a:cs typeface="+mn-cs"/>
               </a:rPr>
@@ -11919,9 +12051,9 @@
             </a:r>
           </a:p>
           <a:p>
-            <a:pPr marL="0" marR="0" lvl="0" indent="0" algn="l" defTabSz="914400" rtl="0" eaLnBrk="1" fontAlgn="auto" latinLnBrk="0" hangingPunct="1">
+            <a:pPr marL="285750" marR="0" lvl="0" indent="-285750" algn="l" defTabSz="914400" rtl="0" eaLnBrk="1" fontAlgn="auto" latinLnBrk="0" hangingPunct="1">
               <a:lnSpc>
-                <a:spcPct val="110000"/>
+                <a:spcPct val="100000"/>
               </a:lnSpc>
               <a:spcBef>
                 <a:spcPts val="0"/>
@@ -11931,13 +12063,13 @@
               </a:spcAft>
               <a:buClrTx/>
               <a:buSzTx/>
-              <a:buFont typeface="Arial" panose="020B0604020202020204" pitchFamily="34" charset="0"/>
-              <a:buNone/>
+              <a:buFont typeface="Wingdings" panose="05000000000000000000" pitchFamily="2" charset="2"/>
+              <a:buChar char="Ø"/>
               <a:tabLst/>
               <a:defRPr/>
             </a:pPr>
             <a:r>
-              <a:rPr kumimoji="0" lang="en-US" sz="1200" i="0" u="none" strike="noStrike" kern="1200" cap="none" spc="0" normalizeH="0" baseline="0" noProof="0" dirty="0">
+              <a:rPr kumimoji="0" lang="en-US" sz="1350" i="0" u="none" strike="noStrike" kern="1200" cap="none" spc="0" normalizeH="0" baseline="0" noProof="0" dirty="0">
                 <a:ln>
                   <a:noFill/>
                 </a:ln>
@@ -11947,14 +12079,14 @@
                 <a:effectLst/>
                 <a:uLnTx/>
                 <a:uFillTx/>
-                <a:latin typeface="TheSans Swisscom Light"/>
+                <a:latin typeface="+mj-lt"/>
                 <a:ea typeface="+mn-ea"/>
                 <a:cs typeface="+mn-cs"/>
               </a:rPr>
               <a:t>Same dashboard with different data cubes </a:t>
             </a:r>
             <a:r>
-              <a:rPr kumimoji="0" lang="en-US" sz="1200" b="1" i="0" u="none" strike="noStrike" kern="1200" cap="none" spc="0" normalizeH="0" baseline="0" noProof="0" dirty="0">
+              <a:rPr kumimoji="0" lang="en-US" sz="1350" b="1" i="0" u="none" strike="noStrike" kern="1200" cap="none" spc="0" normalizeH="0" baseline="0" noProof="0" dirty="0">
                 <a:ln>
                   <a:noFill/>
                 </a:ln>
@@ -11964,7 +12096,7 @@
                 <a:effectLst/>
                 <a:uLnTx/>
                 <a:uFillTx/>
-                <a:latin typeface="TheSans Swisscom Light"/>
+                <a:latin typeface="+mj-lt"/>
                 <a:ea typeface="+mn-ea"/>
                 <a:cs typeface="+mn-cs"/>
               </a:rPr>
@@ -11989,8 +12121,8 @@
         </p:nvSpPr>
         <p:spPr bwMode="black">
           <a:xfrm>
-            <a:off x="4064382" y="3352758"/>
-            <a:ext cx="7736444" cy="2935071"/>
+            <a:off x="3554895" y="3352758"/>
+            <a:ext cx="8245931" cy="2935071"/>
           </a:xfrm>
           <a:prstGeom prst="rect">
             <a:avLst/>
@@ -12208,7 +12340,7 @@
               <a:defRPr/>
             </a:pPr>
             <a:r>
-              <a:rPr kumimoji="0" lang="en-US" sz="1600" b="1" i="0" u="none" strike="noStrike" kern="1200" cap="none" spc="0" normalizeH="0" baseline="0" noProof="0" dirty="0">
+              <a:rPr kumimoji="0" lang="en-US" b="1" i="0" u="none" strike="noStrike" kern="1200" cap="none" spc="0" normalizeH="0" baseline="0" noProof="0" dirty="0">
                 <a:ln>
                   <a:noFill/>
                 </a:ln>
@@ -12218,7 +12350,7 @@
                 <a:effectLst/>
                 <a:uLnTx/>
                 <a:uFillTx/>
-                <a:latin typeface="TheSans Swisscom Light"/>
+                <a:latin typeface="+mj-lt"/>
                 <a:ea typeface="+mn-ea"/>
                 <a:cs typeface="+mn-cs"/>
               </a:rPr>
@@ -12226,9 +12358,9 @@
             </a:r>
           </a:p>
           <a:p>
-            <a:pPr marL="0" marR="0" lvl="0" indent="0" algn="l" defTabSz="914400" rtl="0" eaLnBrk="1" fontAlgn="auto" latinLnBrk="0" hangingPunct="1">
+            <a:pPr marL="285750" marR="0" lvl="0" indent="-285750" algn="l" defTabSz="914400" rtl="0" eaLnBrk="1" fontAlgn="auto" latinLnBrk="0" hangingPunct="1">
               <a:lnSpc>
-                <a:spcPct val="110000"/>
+                <a:spcPct val="100000"/>
               </a:lnSpc>
               <a:spcBef>
                 <a:spcPts val="0"/>
@@ -12242,13 +12374,22 @@
                 </a:srgbClr>
               </a:buClr>
               <a:buSzTx/>
-              <a:buFont typeface="Arial" panose="020B0604020202020204" pitchFamily="34" charset="0"/>
-              <a:buNone/>
+              <a:buFont typeface="Wingdings" panose="05000000000000000000" pitchFamily="2" charset="2"/>
+              <a:buChar char="Ø"/>
               <a:tabLst/>
               <a:defRPr/>
             </a:pPr>
             <a:r>
-              <a:rPr kumimoji="0" lang="en-US" sz="1200" b="0" i="0" u="none" strike="noStrike" kern="1200" cap="none" spc="0" normalizeH="0" baseline="0" noProof="0" dirty="0">
+              <a:rPr lang="en-US" sz="1350" dirty="0">
+                <a:solidFill>
+                  <a:srgbClr val="001155"/>
+                </a:solidFill>
+                <a:latin typeface="+mj-lt"/>
+              </a:rPr>
+              <a:t>F</a:t>
+            </a:r>
+            <a:r>
+              <a:rPr kumimoji="0" lang="en-US" sz="1350" b="0" i="0" u="none" strike="noStrike" kern="1200" cap="none" spc="0" normalizeH="0" baseline="0" noProof="0" dirty="0" err="1">
                 <a:ln>
                   <a:noFill/>
                 </a:ln>
@@ -12258,17 +12399,34 @@
                 <a:effectLst/>
                 <a:uLnTx/>
                 <a:uFillTx/>
-                <a:latin typeface="TheSans Swisscom Light"/>
+                <a:latin typeface="+mj-lt"/>
                 <a:ea typeface="+mn-ea"/>
                 <a:cs typeface="+mn-cs"/>
               </a:rPr>
-              <a:t>Partially missing profiling (work in progress) for flow aggregation leads in certain L3 VPN's into false positive. Consider profiling for BMP update/withdrawals as well.</a:t>
-            </a:r>
-          </a:p>
-          <a:p>
-            <a:pPr marL="0" marR="0" lvl="0" indent="0" algn="l" defTabSz="914400" rtl="0" eaLnBrk="1" fontAlgn="auto" latinLnBrk="0" hangingPunct="1">
+              <a:t>alse</a:t>
+            </a:r>
+            <a:r>
+              <a:rPr kumimoji="0" lang="en-US" sz="1350" b="0" i="0" u="none" strike="noStrike" kern="1200" cap="none" spc="0" normalizeH="0" baseline="0" noProof="0" dirty="0">
+                <a:ln>
+                  <a:noFill/>
+                </a:ln>
+                <a:solidFill>
+                  <a:srgbClr val="001155"/>
+                </a:solidFill>
+                <a:effectLst/>
+                <a:uLnTx/>
+                <a:uFillTx/>
+                <a:latin typeface="+mj-lt"/>
+                <a:ea typeface="+mn-ea"/>
+                <a:cs typeface="+mn-cs"/>
+              </a:rPr>
+              <a:t> positive due to partially missing profiling (work in progress) for flow aggregation. Consider profiling for BMP update/withdrawals as well.</a:t>
+            </a:r>
+          </a:p>
+          <a:p>
+            <a:pPr marL="285750" marR="0" lvl="0" indent="-285750" algn="l" defTabSz="914400" rtl="0" eaLnBrk="1" fontAlgn="auto" latinLnBrk="0" hangingPunct="1">
               <a:lnSpc>
-                <a:spcPct val="110000"/>
+                <a:spcPct val="100000"/>
               </a:lnSpc>
               <a:spcBef>
                 <a:spcPts val="0"/>
@@ -12282,13 +12440,13 @@
                 </a:srgbClr>
               </a:buClr>
               <a:buSzTx/>
-              <a:buFont typeface="Arial" panose="020B0604020202020204" pitchFamily="34" charset="0"/>
-              <a:buNone/>
+              <a:buFont typeface="Wingdings" panose="05000000000000000000" pitchFamily="2" charset="2"/>
+              <a:buChar char="Ø"/>
               <a:tabLst/>
               <a:defRPr/>
             </a:pPr>
             <a:r>
-              <a:rPr kumimoji="0" lang="en-US" sz="1200" b="0" i="0" u="none" strike="noStrike" kern="1200" cap="none" spc="0" normalizeH="0" baseline="0" noProof="0" dirty="0">
+              <a:rPr kumimoji="0" lang="en-US" sz="1350" b="0" i="0" u="none" strike="noStrike" kern="1200" cap="none" spc="0" normalizeH="0" baseline="0" noProof="0" dirty="0">
                 <a:ln>
                   <a:noFill/>
                 </a:ln>
@@ -12298,14 +12456,14 @@
                 <a:effectLst/>
                 <a:uLnTx/>
                 <a:uFillTx/>
-                <a:latin typeface="TheSans Swisscom Light"/>
+                <a:latin typeface="+mj-lt"/>
                 <a:ea typeface="+mn-ea"/>
                 <a:cs typeface="+mn-cs"/>
               </a:rPr>
-              <a:t>IS-IS control plane visibility is missing. This would have helped to understand the routing topology state change. Cisco IOS XR does not support BGP-LS in BMP Local-RIB.  At IETF, two proposals, </a:t>
-            </a:r>
-            <a:r>
-              <a:rPr kumimoji="0" lang="en-US" sz="1200" b="0" i="0" u="none" strike="noStrike" kern="1200" cap="none" spc="0" normalizeH="0" baseline="0" noProof="0" dirty="0">
+              <a:t>Missing IS-IS control plane visibility. This would have helped to understand the routing topology state changes. Cisco IOS XR does not support BGP-LS in BMP Local-RIB.  At IETF, two proposals, </a:t>
+            </a:r>
+            <a:r>
+              <a:rPr kumimoji="0" lang="en-US" sz="1350" b="0" i="0" u="none" strike="noStrike" kern="1200" cap="none" spc="0" normalizeH="0" baseline="0" noProof="0" dirty="0">
                 <a:ln>
                   <a:noFill/>
                 </a:ln>
@@ -12315,15 +12473,15 @@
                 <a:effectLst/>
                 <a:uLnTx/>
                 <a:uFillTx/>
-                <a:latin typeface="TheSans Swisscom Light"/>
+                <a:latin typeface="+mj-lt"/>
                 <a:ea typeface="+mn-ea"/>
                 <a:cs typeface="+mn-cs"/>
-                <a:hlinkClick r:id="rId5"/>
+                <a:hlinkClick r:id="rId3"/>
               </a:rPr>
               <a:t>draft-</a:t>
             </a:r>
             <a:r>
-              <a:rPr kumimoji="0" lang="en-US" sz="1200" b="0" i="0" u="none" strike="noStrike" kern="1200" cap="none" spc="0" normalizeH="0" baseline="0" noProof="0" dirty="0" err="1">
+              <a:rPr kumimoji="0" lang="en-US" sz="1350" b="0" i="0" u="none" strike="noStrike" kern="1200" cap="none" spc="0" normalizeH="0" baseline="0" noProof="0" dirty="0" err="1">
                 <a:ln>
                   <a:noFill/>
                 </a:ln>
@@ -12333,15 +12491,15 @@
                 <a:effectLst/>
                 <a:uLnTx/>
                 <a:uFillTx/>
-                <a:latin typeface="TheSans Swisscom Light"/>
+                <a:latin typeface="+mj-lt"/>
                 <a:ea typeface="+mn-ea"/>
                 <a:cs typeface="+mn-cs"/>
-                <a:hlinkClick r:id="rId5"/>
+                <a:hlinkClick r:id="rId3"/>
               </a:rPr>
               <a:t>raszuk</a:t>
             </a:r>
             <a:r>
-              <a:rPr kumimoji="0" lang="en-US" sz="1200" b="0" i="0" u="none" strike="noStrike" kern="1200" cap="none" spc="0" normalizeH="0" baseline="0" noProof="0" dirty="0">
+              <a:rPr kumimoji="0" lang="en-US" sz="1350" b="0" i="0" u="none" strike="noStrike" kern="1200" cap="none" spc="0" normalizeH="0" baseline="0" noProof="0" dirty="0">
                 <a:ln>
                   <a:noFill/>
                 </a:ln>
@@ -12351,15 +12509,15 @@
                 <a:effectLst/>
                 <a:uLnTx/>
                 <a:uFillTx/>
-                <a:latin typeface="TheSans Swisscom Light"/>
+                <a:latin typeface="+mj-lt"/>
                 <a:ea typeface="+mn-ea"/>
                 <a:cs typeface="+mn-cs"/>
-                <a:hlinkClick r:id="rId5"/>
+                <a:hlinkClick r:id="rId3"/>
               </a:rPr>
               <a:t>-lsr-imp</a:t>
             </a:r>
             <a:r>
-              <a:rPr kumimoji="0" lang="en-US" sz="1200" b="0" i="0" u="none" strike="noStrike" kern="1200" cap="none" spc="0" normalizeH="0" baseline="0" noProof="0" dirty="0">
+              <a:rPr kumimoji="0" lang="en-US" sz="1350" b="0" i="0" u="none" strike="noStrike" kern="1200" cap="none" spc="0" normalizeH="0" baseline="0" noProof="0" dirty="0">
                 <a:ln>
                   <a:noFill/>
                 </a:ln>
@@ -12369,14 +12527,14 @@
                 <a:effectLst/>
                 <a:uLnTx/>
                 <a:uFillTx/>
-                <a:latin typeface="TheSans Swisscom Light"/>
+                <a:latin typeface="+mj-lt"/>
                 <a:ea typeface="+mn-ea"/>
                 <a:cs typeface="+mn-cs"/>
               </a:rPr>
               <a:t> and </a:t>
             </a:r>
             <a:r>
-              <a:rPr kumimoji="0" lang="en-US" sz="1200" b="0" i="0" u="none" strike="noStrike" kern="1200" cap="none" spc="0" normalizeH="0" baseline="0" noProof="0" dirty="0">
+              <a:rPr kumimoji="0" lang="en-US" sz="1350" b="0" i="0" u="none" strike="noStrike" kern="1200" cap="none" spc="0" normalizeH="0" baseline="0" noProof="0" dirty="0">
                 <a:ln>
                   <a:noFill/>
                 </a:ln>
@@ -12386,15 +12544,15 @@
                 <a:effectLst/>
                 <a:uLnTx/>
                 <a:uFillTx/>
-                <a:latin typeface="TheSans Swisscom Light"/>
+                <a:latin typeface="+mj-lt"/>
                 <a:ea typeface="+mn-ea"/>
                 <a:cs typeface="+mn-cs"/>
-                <a:hlinkClick r:id="rId6"/>
+                <a:hlinkClick r:id="rId4"/>
               </a:rPr>
               <a:t>draft-</a:t>
             </a:r>
             <a:r>
-              <a:rPr kumimoji="0" lang="en-US" sz="1200" b="0" i="0" u="none" strike="noStrike" kern="1200" cap="none" spc="0" normalizeH="0" baseline="0" noProof="0" dirty="0" err="1">
+              <a:rPr kumimoji="0" lang="en-US" sz="1350" b="0" i="0" u="none" strike="noStrike" kern="1200" cap="none" spc="0" normalizeH="0" baseline="0" noProof="0" dirty="0" err="1">
                 <a:ln>
                   <a:noFill/>
                 </a:ln>
@@ -12404,15 +12562,15 @@
                 <a:effectLst/>
                 <a:uLnTx/>
                 <a:uFillTx/>
-                <a:latin typeface="TheSans Swisscom Light"/>
+                <a:latin typeface="+mj-lt"/>
                 <a:ea typeface="+mn-ea"/>
                 <a:cs typeface="+mn-cs"/>
-                <a:hlinkClick r:id="rId6"/>
+                <a:hlinkClick r:id="rId4"/>
               </a:rPr>
               <a:t>gu</a:t>
             </a:r>
             <a:r>
-              <a:rPr kumimoji="0" lang="en-US" sz="1200" b="0" i="0" u="none" strike="noStrike" kern="1200" cap="none" spc="0" normalizeH="0" baseline="0" noProof="0" dirty="0">
+              <a:rPr kumimoji="0" lang="en-US" sz="1350" b="0" i="0" u="none" strike="noStrike" kern="1200" cap="none" spc="0" normalizeH="0" baseline="0" noProof="0" dirty="0">
                 <a:ln>
                   <a:noFill/>
                 </a:ln>
@@ -12422,15 +12580,15 @@
                 <a:effectLst/>
                 <a:uLnTx/>
                 <a:uFillTx/>
-                <a:latin typeface="TheSans Swisscom Light"/>
+                <a:latin typeface="+mj-lt"/>
                 <a:ea typeface="+mn-ea"/>
                 <a:cs typeface="+mn-cs"/>
-                <a:hlinkClick r:id="rId6"/>
+                <a:hlinkClick r:id="rId4"/>
               </a:rPr>
               <a:t>-opsawg-network-monitoring-</a:t>
             </a:r>
             <a:r>
-              <a:rPr kumimoji="0" lang="en-US" sz="1200" b="0" i="0" u="none" strike="noStrike" kern="1200" cap="none" spc="0" normalizeH="0" baseline="0" noProof="0" dirty="0" err="1">
+              <a:rPr kumimoji="0" lang="en-US" sz="1350" b="0" i="0" u="none" strike="noStrike" kern="1200" cap="none" spc="0" normalizeH="0" baseline="0" noProof="0" dirty="0" err="1">
                 <a:ln>
                   <a:noFill/>
                 </a:ln>
@@ -12440,15 +12598,15 @@
                 <a:effectLst/>
                 <a:uLnTx/>
                 <a:uFillTx/>
-                <a:latin typeface="TheSans Swisscom Light"/>
+                <a:latin typeface="+mj-lt"/>
                 <a:ea typeface="+mn-ea"/>
                 <a:cs typeface="+mn-cs"/>
-                <a:hlinkClick r:id="rId6"/>
+                <a:hlinkClick r:id="rId4"/>
               </a:rPr>
               <a:t>igp</a:t>
             </a:r>
             <a:r>
-              <a:rPr kumimoji="0" lang="en-US" sz="1200" b="0" i="0" u="none" strike="noStrike" kern="1200" cap="none" spc="0" normalizeH="0" baseline="0" noProof="0" dirty="0">
+              <a:rPr kumimoji="0" lang="en-US" sz="1350" b="0" i="0" u="none" strike="noStrike" kern="1200" cap="none" spc="0" normalizeH="0" baseline="0" noProof="0" dirty="0">
                 <a:ln>
                   <a:noFill/>
                 </a:ln>
@@ -12458,7 +12616,7 @@
                 <a:effectLst/>
                 <a:uLnTx/>
                 <a:uFillTx/>
-                <a:latin typeface="TheSans Swisscom Light"/>
+                <a:latin typeface="+mj-lt"/>
                 <a:ea typeface="+mn-ea"/>
                 <a:cs typeface="+mn-cs"/>
               </a:rPr>
@@ -12466,9 +12624,9 @@
             </a:r>
           </a:p>
           <a:p>
-            <a:pPr marL="0" marR="0" lvl="0" indent="0" algn="l" defTabSz="914400" rtl="0" eaLnBrk="1" fontAlgn="auto" latinLnBrk="0" hangingPunct="1">
+            <a:pPr marL="285750" marR="0" lvl="0" indent="-285750" algn="l" defTabSz="914400" rtl="0" eaLnBrk="1" fontAlgn="auto" latinLnBrk="0" hangingPunct="1">
               <a:lnSpc>
-                <a:spcPct val="110000"/>
+                <a:spcPct val="100000"/>
               </a:lnSpc>
               <a:spcBef>
                 <a:spcPts val="0"/>
@@ -12482,13 +12640,13 @@
                 </a:srgbClr>
               </a:buClr>
               <a:buSzTx/>
-              <a:buFont typeface="Arial" panose="020B0604020202020204" pitchFamily="34" charset="0"/>
-              <a:buNone/>
+              <a:buFont typeface="Wingdings" panose="05000000000000000000" pitchFamily="2" charset="2"/>
+              <a:buChar char="Ø"/>
               <a:tabLst/>
               <a:defRPr/>
             </a:pPr>
             <a:r>
-              <a:rPr kumimoji="0" lang="en-US" sz="1200" b="0" i="0" u="none" strike="noStrike" kern="1200" cap="none" spc="0" normalizeH="0" baseline="0" noProof="0" dirty="0">
+              <a:rPr kumimoji="0" lang="en-US" sz="1350" b="0" i="0" u="none" strike="noStrike" kern="1200" cap="none" spc="0" normalizeH="0" baseline="0" noProof="0" dirty="0">
                 <a:ln>
                   <a:noFill/>
                 </a:ln>
@@ -12498,14 +12656,14 @@
                 <a:effectLst/>
                 <a:uLnTx/>
                 <a:uFillTx/>
-                <a:latin typeface="TheSans Swisscom Light"/>
+                <a:latin typeface="+mj-lt"/>
                 <a:ea typeface="+mn-ea"/>
                 <a:cs typeface="+mn-cs"/>
               </a:rPr>
-              <a:t>Forwarding plane path visibility  (</a:t>
-            </a:r>
-            <a:r>
-              <a:rPr kumimoji="0" lang="en-US" sz="1200" b="0" i="0" u="none" strike="noStrike" kern="1200" cap="none" spc="0" normalizeH="0" baseline="0" noProof="0" dirty="0">
+              <a:t>Missing Forwarding plane path visibility  (</a:t>
+            </a:r>
+            <a:r>
+              <a:rPr kumimoji="0" lang="en-US" sz="1350" b="0" i="0" u="none" strike="noStrike" kern="1200" cap="none" spc="0" normalizeH="0" baseline="0" noProof="0" dirty="0">
                 <a:ln>
                   <a:noFill/>
                 </a:ln>
@@ -12515,15 +12673,15 @@
                 <a:effectLst/>
                 <a:uLnTx/>
                 <a:uFillTx/>
-                <a:latin typeface="TheSans Swisscom Light"/>
+                <a:latin typeface="+mj-lt"/>
                 <a:ea typeface="+mn-ea"/>
                 <a:cs typeface="+mn-cs"/>
-                <a:hlinkClick r:id="rId7"/>
+                <a:hlinkClick r:id="rId5"/>
               </a:rPr>
               <a:t>Passive Hybrid Type 1</a:t>
             </a:r>
             <a:r>
-              <a:rPr kumimoji="0" lang="en-US" sz="1200" b="0" i="0" u="none" strike="noStrike" kern="1200" cap="none" spc="0" normalizeH="0" baseline="0" noProof="0" dirty="0">
+              <a:rPr kumimoji="0" lang="en-US" sz="1350" b="0" i="0" u="none" strike="noStrike" kern="1200" cap="none" spc="0" normalizeH="0" baseline="0" noProof="0" dirty="0">
                 <a:ln>
                   <a:noFill/>
                 </a:ln>
@@ -12533,17 +12691,17 @@
                 <a:effectLst/>
                 <a:uLnTx/>
                 <a:uFillTx/>
-                <a:latin typeface="TheSans Swisscom Light"/>
+                <a:latin typeface="+mj-lt"/>
                 <a:ea typeface="+mn-ea"/>
                 <a:cs typeface="+mn-cs"/>
               </a:rPr>
-              <a:t>) is missing. This would have helped to understand the exact forwarding path for each packet.</a:t>
-            </a:r>
-          </a:p>
-          <a:p>
-            <a:pPr marL="0" marR="0" lvl="0" indent="0" algn="l" defTabSz="914400" rtl="0" eaLnBrk="1" fontAlgn="auto" latinLnBrk="0" hangingPunct="1">
+              <a:t>). This would have helped to understand the exact forwarding path for each packet.</a:t>
+            </a:r>
+          </a:p>
+          <a:p>
+            <a:pPr marL="285750" marR="0" lvl="0" indent="-285750" algn="l" defTabSz="914400" rtl="0" eaLnBrk="1" fontAlgn="auto" latinLnBrk="0" hangingPunct="1">
               <a:lnSpc>
-                <a:spcPct val="110000"/>
+                <a:spcPct val="100000"/>
               </a:lnSpc>
               <a:spcBef>
                 <a:spcPts val="0"/>
@@ -12557,13 +12715,13 @@
                 </a:srgbClr>
               </a:buClr>
               <a:buSzTx/>
-              <a:buFont typeface="Arial" panose="020B0604020202020204" pitchFamily="34" charset="0"/>
-              <a:buNone/>
+              <a:buFont typeface="Wingdings" panose="05000000000000000000" pitchFamily="2" charset="2"/>
+              <a:buChar char="Ø"/>
               <a:tabLst/>
               <a:defRPr/>
             </a:pPr>
             <a:r>
-              <a:rPr kumimoji="0" lang="en-US" sz="1200" b="0" i="0" u="none" strike="noStrike" kern="1200" cap="none" spc="0" normalizeH="0" baseline="0" noProof="0" dirty="0">
+              <a:rPr kumimoji="0" lang="en-US" sz="1350" b="0" i="0" u="none" strike="noStrike" kern="1200" cap="none" spc="0" normalizeH="0" baseline="0" noProof="0" dirty="0">
                 <a:ln>
                   <a:noFill/>
                 </a:ln>
@@ -12573,14 +12731,14 @@
                 <a:effectLst/>
                 <a:uLnTx/>
                 <a:uFillTx/>
-                <a:latin typeface="TheSans Swisscom Light"/>
+                <a:latin typeface="+mj-lt"/>
                 <a:ea typeface="+mn-ea"/>
                 <a:cs typeface="+mn-cs"/>
               </a:rPr>
               <a:t>With SRv6 next-hop attribute (</a:t>
             </a:r>
             <a:r>
-              <a:rPr kumimoji="0" lang="en-US" sz="1200" b="0" i="0" u="none" strike="noStrike" kern="1200" cap="none" spc="0" normalizeH="0" baseline="0" noProof="0" dirty="0">
+              <a:rPr kumimoji="0" lang="en-US" sz="1350" b="0" i="0" u="none" strike="noStrike" kern="1200" cap="none" spc="0" normalizeH="0" baseline="0" noProof="0" dirty="0">
                 <a:ln>
                   <a:noFill/>
                 </a:ln>
@@ -12590,15 +12748,15 @@
                 <a:effectLst/>
                 <a:uLnTx/>
                 <a:uFillTx/>
-                <a:latin typeface="TheSans Swisscom Light"/>
+                <a:latin typeface="+mj-lt"/>
                 <a:ea typeface="+mn-ea"/>
                 <a:cs typeface="+mn-cs"/>
-                <a:hlinkClick r:id="rId8"/>
+                <a:hlinkClick r:id="rId6"/>
               </a:rPr>
               <a:t>SRv6 Endpoint Behaviors</a:t>
             </a:r>
             <a:r>
-              <a:rPr kumimoji="0" lang="en-US" sz="1200" b="0" i="0" u="none" strike="noStrike" kern="1200" cap="none" spc="0" normalizeH="0" baseline="0" noProof="0" dirty="0">
+              <a:rPr kumimoji="0" lang="en-US" sz="1350" b="0" i="0" u="none" strike="noStrike" kern="1200" cap="none" spc="0" normalizeH="0" baseline="0" noProof="0" dirty="0">
                 <a:ln>
                   <a:noFill/>
                 </a:ln>
@@ -12608,17 +12766,17 @@
                 <a:effectLst/>
                 <a:uLnTx/>
                 <a:uFillTx/>
-                <a:latin typeface="TheSans Swisscom Light"/>
+                <a:latin typeface="+mj-lt"/>
                 <a:ea typeface="+mn-ea"/>
                 <a:cs typeface="+mn-cs"/>
               </a:rPr>
-              <a:t>) in data collection decoded, change of VPNv4/6 unicast path would have been visible. Consider to remove or reduce 1min time bucketing in TSDB.</a:t>
-            </a:r>
-          </a:p>
-          <a:p>
-            <a:pPr marL="0" marR="0" lvl="0" indent="0" algn="l" defTabSz="914400" rtl="0" eaLnBrk="1" fontAlgn="auto" latinLnBrk="0" hangingPunct="1">
+              <a:t>) in data collection decoded, changes in VPNv4/6 unicast paths would have been visible. Reducing the 1min granularity in TSDB would have helped to detect race condition.</a:t>
+            </a:r>
+          </a:p>
+          <a:p>
+            <a:pPr marL="285750" marR="0" lvl="0" indent="-285750" algn="l" defTabSz="914400" rtl="0" eaLnBrk="1" fontAlgn="auto" latinLnBrk="0" hangingPunct="1">
               <a:lnSpc>
-                <a:spcPct val="110000"/>
+                <a:spcPct val="100000"/>
               </a:lnSpc>
               <a:spcBef>
                 <a:spcPts val="0"/>
@@ -12632,13 +12790,13 @@
                 </a:srgbClr>
               </a:buClr>
               <a:buSzTx/>
-              <a:buFont typeface="Arial" panose="020B0604020202020204" pitchFamily="34" charset="0"/>
-              <a:buNone/>
+              <a:buFont typeface="Wingdings" panose="05000000000000000000" pitchFamily="2" charset="2"/>
+              <a:buChar char="Ø"/>
               <a:tabLst/>
               <a:defRPr/>
             </a:pPr>
             <a:r>
-              <a:rPr kumimoji="0" lang="en-US" sz="1200" b="0" i="0" u="none" strike="noStrike" kern="1200" cap="none" spc="0" normalizeH="0" baseline="0" noProof="0" dirty="0">
+              <a:rPr kumimoji="0" lang="en-US" sz="1350" b="0" i="0" u="none" strike="noStrike" kern="1200" cap="none" spc="0" normalizeH="0" baseline="0" noProof="0" dirty="0">
                 <a:ln>
                   <a:noFill/>
                 </a:ln>
@@ -12648,34 +12806,60 @@
                 <a:effectLst/>
                 <a:uLnTx/>
                 <a:uFillTx/>
-                <a:latin typeface="TheSans Swisscom Light"/>
+                <a:latin typeface="+mj-lt"/>
                 <a:ea typeface="+mn-ea"/>
                 <a:cs typeface="+mn-cs"/>
               </a:rPr>
-              <a:t>Taken connectivity service, the network relationship, not into account, </a:t>
-            </a:r>
-            <a:r>
-              <a:rPr kumimoji="0" lang="en-US" sz="1200" b="1" i="0" u="none" strike="noStrike" kern="1200" cap="none" spc="0" normalizeH="0" baseline="0" noProof="0" dirty="0">
+              <a:t>The connectivity service, the network relationship, was not taken into account</a:t>
+            </a:r>
+            <a:r>
+              <a:rPr lang="en-US" sz="1350" dirty="0">
+                <a:solidFill>
+                  <a:srgbClr val="001155"/>
+                </a:solidFill>
+                <a:latin typeface="+mj-lt"/>
+              </a:rPr>
+              <a:t>;</a:t>
+            </a:r>
+            <a:r>
+              <a:rPr kumimoji="0" lang="en-US" sz="1350" b="0" i="0" u="none" strike="noStrike" kern="1200" cap="none" spc="0" normalizeH="0" baseline="0" noProof="0">
                 <a:ln>
                   <a:noFill/>
                 </a:ln>
                 <a:solidFill>
-                  <a:srgbClr val="FF0000"/>
+                  <a:srgbClr val="001155"/>
                 </a:solidFill>
                 <a:effectLst/>
                 <a:uLnTx/>
                 <a:uFillTx/>
-                <a:latin typeface="TheSans Swisscom Light"/>
+                <a:latin typeface="+mj-lt"/>
                 <a:ea typeface="+mn-ea"/>
                 <a:cs typeface="+mn-cs"/>
               </a:rPr>
+              <a:t> </a:t>
+            </a:r>
+            <a:r>
+              <a:rPr kumimoji="0" lang="en-US" sz="1350" b="1" i="0" u="none" strike="noStrike" kern="1200" cap="none" spc="0" normalizeH="0" baseline="0" noProof="0" dirty="0">
+                <a:ln>
+                  <a:noFill/>
+                </a:ln>
+                <a:solidFill>
+                  <a:srgbClr val="FF0000"/>
+                </a:solidFill>
+                <a:effectLst/>
+                <a:uLnTx/>
+                <a:uFillTx/>
+                <a:latin typeface="+mj-lt"/>
+                <a:ea typeface="+mn-ea"/>
+                <a:cs typeface="+mn-cs"/>
+              </a:rPr>
               <a:t>none of the involved connectivity service incident parties were able to understand that their activity is related to each other. </a:t>
             </a:r>
           </a:p>
           <a:p>
-            <a:pPr marL="0" marR="0" lvl="0" indent="0" algn="l" defTabSz="914400" rtl="0" eaLnBrk="1" fontAlgn="auto" latinLnBrk="0" hangingPunct="1">
+            <a:pPr marL="285750" marR="0" lvl="0" indent="-285750" algn="l" defTabSz="914400" rtl="0" eaLnBrk="1" fontAlgn="auto" latinLnBrk="0" hangingPunct="1">
               <a:lnSpc>
-                <a:spcPct val="110000"/>
+                <a:spcPct val="100000"/>
               </a:lnSpc>
               <a:spcBef>
                 <a:spcPts val="0"/>
@@ -12689,13 +12873,13 @@
                 </a:srgbClr>
               </a:buClr>
               <a:buSzTx/>
-              <a:buFont typeface="Arial" panose="020B0604020202020204" pitchFamily="34" charset="0"/>
-              <a:buNone/>
+              <a:buFont typeface="Wingdings" panose="05000000000000000000" pitchFamily="2" charset="2"/>
+              <a:buChar char="Ø"/>
               <a:tabLst/>
               <a:defRPr/>
             </a:pPr>
             <a:r>
-              <a:rPr kumimoji="0" lang="en-US" sz="1200" b="0" i="0" u="none" strike="noStrike" kern="1200" cap="none" spc="0" normalizeH="0" baseline="0" noProof="0" dirty="0">
+              <a:rPr kumimoji="0" lang="en-US" sz="1350" b="0" i="0" u="none" strike="noStrike" kern="1200" cap="none" spc="0" normalizeH="0" baseline="0" noProof="0" dirty="0">
                 <a:ln>
                   <a:noFill/>
                 </a:ln>
@@ -12705,14 +12889,14 @@
                 <a:effectLst/>
                 <a:uLnTx/>
                 <a:uFillTx/>
-                <a:latin typeface="TheSans Swisscom Light"/>
+                <a:latin typeface="+mj-lt"/>
                 <a:ea typeface="+mn-ea"/>
                 <a:cs typeface="+mn-cs"/>
               </a:rPr>
               <a:t>Observing configuration state change with Transaction ID (</a:t>
             </a:r>
             <a:r>
-              <a:rPr kumimoji="0" lang="en-US" sz="1200" b="0" i="0" u="none" strike="noStrike" kern="1200" cap="none" spc="0" normalizeH="0" baseline="0" noProof="0" dirty="0">
+              <a:rPr kumimoji="0" lang="en-US" sz="1350" b="0" i="0" u="none" strike="noStrike" kern="1200" cap="none" spc="0" normalizeH="0" baseline="0" noProof="0" dirty="0">
                 <a:ln>
                   <a:noFill/>
                 </a:ln>
@@ -12722,15 +12906,15 @@
                 <a:effectLst/>
                 <a:uLnTx/>
                 <a:uFillTx/>
-                <a:latin typeface="TheSans Swisscom Light"/>
+                <a:latin typeface="+mj-lt"/>
                 <a:ea typeface="+mn-ea"/>
                 <a:cs typeface="+mn-cs"/>
-                <a:hlinkClick r:id="rId9"/>
+                <a:hlinkClick r:id="rId7"/>
               </a:rPr>
               <a:t>draft-</a:t>
             </a:r>
             <a:r>
-              <a:rPr kumimoji="0" lang="en-US" sz="1200" b="0" i="0" u="none" strike="noStrike" kern="1200" cap="none" spc="0" normalizeH="0" baseline="0" noProof="0" dirty="0" err="1">
+              <a:rPr kumimoji="0" lang="en-US" sz="1350" b="0" i="0" u="none" strike="noStrike" kern="1200" cap="none" spc="0" normalizeH="0" baseline="0" noProof="0" dirty="0" err="1">
                 <a:ln>
                   <a:noFill/>
                 </a:ln>
@@ -12740,15 +12924,15 @@
                 <a:effectLst/>
                 <a:uLnTx/>
                 <a:uFillTx/>
-                <a:latin typeface="TheSans Swisscom Light"/>
+                <a:latin typeface="+mj-lt"/>
                 <a:ea typeface="+mn-ea"/>
                 <a:cs typeface="+mn-cs"/>
-                <a:hlinkClick r:id="rId9"/>
+                <a:hlinkClick r:id="rId7"/>
               </a:rPr>
               <a:t>ietf</a:t>
             </a:r>
             <a:r>
-              <a:rPr kumimoji="0" lang="en-US" sz="1200" b="0" i="0" u="none" strike="noStrike" kern="1200" cap="none" spc="0" normalizeH="0" baseline="0" noProof="0" dirty="0">
+              <a:rPr kumimoji="0" lang="en-US" sz="1350" b="0" i="0" u="none" strike="noStrike" kern="1200" cap="none" spc="0" normalizeH="0" baseline="0" noProof="0" dirty="0">
                 <a:ln>
                   <a:noFill/>
                 </a:ln>
@@ -12758,15 +12942,15 @@
                 <a:effectLst/>
                 <a:uLnTx/>
                 <a:uFillTx/>
-                <a:latin typeface="TheSans Swisscom Light"/>
+                <a:latin typeface="+mj-lt"/>
                 <a:ea typeface="+mn-ea"/>
                 <a:cs typeface="+mn-cs"/>
-                <a:hlinkClick r:id="rId9"/>
+                <a:hlinkClick r:id="rId7"/>
               </a:rPr>
               <a:t>-netconf-transaction-id</a:t>
             </a:r>
             <a:r>
-              <a:rPr kumimoji="0" lang="en-US" sz="1200" b="0" i="0" u="none" strike="noStrike" kern="1200" cap="none" spc="0" normalizeH="0" baseline="0" noProof="0" dirty="0">
+              <a:rPr kumimoji="0" lang="en-US" sz="1350" b="0" i="0" u="none" strike="noStrike" kern="1200" cap="none" spc="0" normalizeH="0" baseline="0" noProof="0" dirty="0">
                 <a:ln>
                   <a:noFill/>
                 </a:ln>
@@ -12776,14 +12960,14 @@
                 <a:effectLst/>
                 <a:uLnTx/>
                 <a:uFillTx/>
-                <a:latin typeface="TheSans Swisscom Light"/>
+                <a:latin typeface="+mj-lt"/>
                 <a:ea typeface="+mn-ea"/>
                 <a:cs typeface="+mn-cs"/>
               </a:rPr>
               <a:t> , </a:t>
             </a:r>
             <a:r>
-              <a:rPr kumimoji="0" lang="en-US" sz="1200" b="0" i="0" u="none" strike="noStrike" kern="1200" cap="none" spc="0" normalizeH="0" baseline="0" noProof="0" dirty="0">
+              <a:rPr kumimoji="0" lang="en-US" sz="1350" b="0" i="0" u="none" strike="noStrike" kern="1200" cap="none" spc="0" normalizeH="0" baseline="0" noProof="0" dirty="0">
                 <a:ln>
                   <a:noFill/>
                 </a:ln>
@@ -12793,15 +12977,15 @@
                 <a:effectLst/>
                 <a:uLnTx/>
                 <a:uFillTx/>
-                <a:latin typeface="TheSans Swisscom Light"/>
+                <a:latin typeface="+mj-lt"/>
                 <a:ea typeface="+mn-ea"/>
                 <a:cs typeface="+mn-cs"/>
-                <a:hlinkClick r:id="rId10"/>
+                <a:hlinkClick r:id="rId8"/>
               </a:rPr>
               <a:t>draft-</a:t>
             </a:r>
             <a:r>
-              <a:rPr kumimoji="0" lang="en-US" sz="1200" b="0" i="0" u="none" strike="noStrike" kern="1200" cap="none" spc="0" normalizeH="0" baseline="0" noProof="0" dirty="0" err="1">
+              <a:rPr kumimoji="0" lang="en-US" sz="1350" b="0" i="0" u="none" strike="noStrike" kern="1200" cap="none" spc="0" normalizeH="0" baseline="0" noProof="0" dirty="0" err="1">
                 <a:ln>
                   <a:noFill/>
                 </a:ln>
@@ -12811,15 +12995,15 @@
                 <a:effectLst/>
                 <a:uLnTx/>
                 <a:uFillTx/>
-                <a:latin typeface="TheSans Swisscom Light"/>
+                <a:latin typeface="+mj-lt"/>
                 <a:ea typeface="+mn-ea"/>
                 <a:cs typeface="+mn-cs"/>
-                <a:hlinkClick r:id="rId10"/>
+                <a:hlinkClick r:id="rId8"/>
               </a:rPr>
               <a:t>ietf</a:t>
             </a:r>
             <a:r>
-              <a:rPr kumimoji="0" lang="en-US" sz="1200" b="0" i="0" u="none" strike="noStrike" kern="1200" cap="none" spc="0" normalizeH="0" baseline="0" noProof="0" dirty="0">
+              <a:rPr kumimoji="0" lang="en-US" sz="1350" b="0" i="0" u="none" strike="noStrike" kern="1200" cap="none" spc="0" normalizeH="0" baseline="0" noProof="0" dirty="0">
                 <a:ln>
                   <a:noFill/>
                 </a:ln>
@@ -12829,15 +13013,15 @@
                 <a:effectLst/>
                 <a:uLnTx/>
                 <a:uFillTx/>
-                <a:latin typeface="TheSans Swisscom Light"/>
+                <a:latin typeface="+mj-lt"/>
                 <a:ea typeface="+mn-ea"/>
                 <a:cs typeface="+mn-cs"/>
-                <a:hlinkClick r:id="rId10"/>
+                <a:hlinkClick r:id="rId8"/>
               </a:rPr>
               <a:t>-netconf-configuration-tracing</a:t>
             </a:r>
             <a:r>
-              <a:rPr kumimoji="0" lang="en-US" sz="1200" b="0" i="0" u="none" strike="noStrike" kern="1200" cap="none" spc="0" normalizeH="0" baseline="0" noProof="0" dirty="0">
+              <a:rPr kumimoji="0" lang="en-US" sz="1350" b="0" i="0" u="none" strike="noStrike" kern="1200" cap="none" spc="0" normalizeH="0" baseline="0" noProof="0" dirty="0">
                 <a:ln>
                   <a:noFill/>
                 </a:ln>
@@ -12847,7 +13031,7 @@
                 <a:effectLst/>
                 <a:uLnTx/>
                 <a:uFillTx/>
-                <a:latin typeface="TheSans Swisscom Light"/>
+                <a:latin typeface="+mj-lt"/>
                 <a:ea typeface="+mn-ea"/>
                 <a:cs typeface="+mn-cs"/>
               </a:rPr>
@@ -12876,7 +13060,7 @@
               <a:tabLst/>
               <a:defRPr/>
             </a:pPr>
-            <a:endParaRPr kumimoji="0" lang="en-US" sz="1200" b="1" i="0" u="none" strike="noStrike" kern="1200" cap="none" spc="0" normalizeH="0" baseline="0" noProof="0" dirty="0">
+            <a:endParaRPr kumimoji="0" lang="en-US" sz="1350" b="1" i="0" u="none" strike="noStrike" kern="1200" cap="none" spc="0" normalizeH="0" baseline="0" noProof="0" dirty="0">
               <a:ln>
                 <a:noFill/>
               </a:ln>
@@ -12886,711 +13070,7 @@
               <a:effectLst/>
               <a:uLnTx/>
               <a:uFillTx/>
-              <a:latin typeface="TheSans Swisscom Light"/>
-              <a:ea typeface="+mn-ea"/>
-              <a:cs typeface="+mn-cs"/>
-            </a:endParaRPr>
-          </a:p>
-        </p:txBody>
-      </p:sp>
-      <p:sp>
-        <p:nvSpPr>
-          <p:cNvPr id="9" name="Freeform 81">
-            <a:extLst>
-              <a:ext uri="{FF2B5EF4-FFF2-40B4-BE49-F238E27FC236}">
-                <a16:creationId xmlns:a16="http://schemas.microsoft.com/office/drawing/2014/main" id="{B046A222-B260-412D-E33D-3DB670CCDC19}"/>
-              </a:ext>
-            </a:extLst>
-          </p:cNvPr>
-          <p:cNvSpPr>
-            <a:spLocks noEditPoints="1"/>
-          </p:cNvSpPr>
-          <p:nvPr>
-            <p:custDataLst>
-              <p:tags r:id="rId1"/>
-            </p:custDataLst>
-          </p:nvPr>
-        </p:nvSpPr>
-        <p:spPr bwMode="black">
-          <a:xfrm>
-            <a:off x="3497018" y="385640"/>
-            <a:ext cx="328612" cy="328612"/>
-          </a:xfrm>
-          <a:custGeom>
-            <a:avLst/>
-            <a:gdLst>
-              <a:gd name="T0" fmla="*/ 68 w 88"/>
-              <a:gd name="T1" fmla="*/ 36 h 88"/>
-              <a:gd name="T2" fmla="*/ 64 w 88"/>
-              <a:gd name="T3" fmla="*/ 40 h 88"/>
-              <a:gd name="T4" fmla="*/ 56 w 88"/>
-              <a:gd name="T5" fmla="*/ 40 h 88"/>
-              <a:gd name="T6" fmla="*/ 56 w 88"/>
-              <a:gd name="T7" fmla="*/ 48 h 88"/>
-              <a:gd name="T8" fmla="*/ 52 w 88"/>
-              <a:gd name="T9" fmla="*/ 52 h 88"/>
-              <a:gd name="T10" fmla="*/ 48 w 88"/>
-              <a:gd name="T11" fmla="*/ 48 h 88"/>
-              <a:gd name="T12" fmla="*/ 48 w 88"/>
-              <a:gd name="T13" fmla="*/ 40 h 88"/>
-              <a:gd name="T14" fmla="*/ 40 w 88"/>
-              <a:gd name="T15" fmla="*/ 40 h 88"/>
-              <a:gd name="T16" fmla="*/ 36 w 88"/>
-              <a:gd name="T17" fmla="*/ 36 h 88"/>
-              <a:gd name="T18" fmla="*/ 40 w 88"/>
-              <a:gd name="T19" fmla="*/ 32 h 88"/>
-              <a:gd name="T20" fmla="*/ 48 w 88"/>
-              <a:gd name="T21" fmla="*/ 32 h 88"/>
-              <a:gd name="T22" fmla="*/ 48 w 88"/>
-              <a:gd name="T23" fmla="*/ 24 h 88"/>
-              <a:gd name="T24" fmla="*/ 52 w 88"/>
-              <a:gd name="T25" fmla="*/ 20 h 88"/>
-              <a:gd name="T26" fmla="*/ 56 w 88"/>
-              <a:gd name="T27" fmla="*/ 24 h 88"/>
-              <a:gd name="T28" fmla="*/ 56 w 88"/>
-              <a:gd name="T29" fmla="*/ 32 h 88"/>
-              <a:gd name="T30" fmla="*/ 64 w 88"/>
-              <a:gd name="T31" fmla="*/ 32 h 88"/>
-              <a:gd name="T32" fmla="*/ 68 w 88"/>
-              <a:gd name="T33" fmla="*/ 36 h 88"/>
-              <a:gd name="T34" fmla="*/ 88 w 88"/>
-              <a:gd name="T35" fmla="*/ 36 h 88"/>
-              <a:gd name="T36" fmla="*/ 52 w 88"/>
-              <a:gd name="T37" fmla="*/ 72 h 88"/>
-              <a:gd name="T38" fmla="*/ 30 w 88"/>
-              <a:gd name="T39" fmla="*/ 64 h 88"/>
-              <a:gd name="T40" fmla="*/ 7 w 88"/>
-              <a:gd name="T41" fmla="*/ 87 h 88"/>
-              <a:gd name="T42" fmla="*/ 1 w 88"/>
-              <a:gd name="T43" fmla="*/ 87 h 88"/>
-              <a:gd name="T44" fmla="*/ 1 w 88"/>
-              <a:gd name="T45" fmla="*/ 81 h 88"/>
-              <a:gd name="T46" fmla="*/ 24 w 88"/>
-              <a:gd name="T47" fmla="*/ 58 h 88"/>
-              <a:gd name="T48" fmla="*/ 16 w 88"/>
-              <a:gd name="T49" fmla="*/ 36 h 88"/>
-              <a:gd name="T50" fmla="*/ 52 w 88"/>
-              <a:gd name="T51" fmla="*/ 0 h 88"/>
-              <a:gd name="T52" fmla="*/ 88 w 88"/>
-              <a:gd name="T53" fmla="*/ 36 h 88"/>
-              <a:gd name="T54" fmla="*/ 80 w 88"/>
-              <a:gd name="T55" fmla="*/ 36 h 88"/>
-              <a:gd name="T56" fmla="*/ 52 w 88"/>
-              <a:gd name="T57" fmla="*/ 8 h 88"/>
-              <a:gd name="T58" fmla="*/ 24 w 88"/>
-              <a:gd name="T59" fmla="*/ 36 h 88"/>
-              <a:gd name="T60" fmla="*/ 52 w 88"/>
-              <a:gd name="T61" fmla="*/ 64 h 88"/>
-              <a:gd name="T62" fmla="*/ 80 w 88"/>
-              <a:gd name="T63" fmla="*/ 36 h 88"/>
-            </a:gdLst>
-            <a:ahLst/>
-            <a:cxnLst>
-              <a:cxn ang="0">
-                <a:pos x="T0" y="T1"/>
-              </a:cxn>
-              <a:cxn ang="0">
-                <a:pos x="T2" y="T3"/>
-              </a:cxn>
-              <a:cxn ang="0">
-                <a:pos x="T4" y="T5"/>
-              </a:cxn>
-              <a:cxn ang="0">
-                <a:pos x="T6" y="T7"/>
-              </a:cxn>
-              <a:cxn ang="0">
-                <a:pos x="T8" y="T9"/>
-              </a:cxn>
-              <a:cxn ang="0">
-                <a:pos x="T10" y="T11"/>
-              </a:cxn>
-              <a:cxn ang="0">
-                <a:pos x="T12" y="T13"/>
-              </a:cxn>
-              <a:cxn ang="0">
-                <a:pos x="T14" y="T15"/>
-              </a:cxn>
-              <a:cxn ang="0">
-                <a:pos x="T16" y="T17"/>
-              </a:cxn>
-              <a:cxn ang="0">
-                <a:pos x="T18" y="T19"/>
-              </a:cxn>
-              <a:cxn ang="0">
-                <a:pos x="T20" y="T21"/>
-              </a:cxn>
-              <a:cxn ang="0">
-                <a:pos x="T22" y="T23"/>
-              </a:cxn>
-              <a:cxn ang="0">
-                <a:pos x="T24" y="T25"/>
-              </a:cxn>
-              <a:cxn ang="0">
-                <a:pos x="T26" y="T27"/>
-              </a:cxn>
-              <a:cxn ang="0">
-                <a:pos x="T28" y="T29"/>
-              </a:cxn>
-              <a:cxn ang="0">
-                <a:pos x="T30" y="T31"/>
-              </a:cxn>
-              <a:cxn ang="0">
-                <a:pos x="T32" y="T33"/>
-              </a:cxn>
-              <a:cxn ang="0">
-                <a:pos x="T34" y="T35"/>
-              </a:cxn>
-              <a:cxn ang="0">
-                <a:pos x="T36" y="T37"/>
-              </a:cxn>
-              <a:cxn ang="0">
-                <a:pos x="T38" y="T39"/>
-              </a:cxn>
-              <a:cxn ang="0">
-                <a:pos x="T40" y="T41"/>
-              </a:cxn>
-              <a:cxn ang="0">
-                <a:pos x="T42" y="T43"/>
-              </a:cxn>
-              <a:cxn ang="0">
-                <a:pos x="T44" y="T45"/>
-              </a:cxn>
-              <a:cxn ang="0">
-                <a:pos x="T46" y="T47"/>
-              </a:cxn>
-              <a:cxn ang="0">
-                <a:pos x="T48" y="T49"/>
-              </a:cxn>
-              <a:cxn ang="0">
-                <a:pos x="T50" y="T51"/>
-              </a:cxn>
-              <a:cxn ang="0">
-                <a:pos x="T52" y="T53"/>
-              </a:cxn>
-              <a:cxn ang="0">
-                <a:pos x="T54" y="T55"/>
-              </a:cxn>
-              <a:cxn ang="0">
-                <a:pos x="T56" y="T57"/>
-              </a:cxn>
-              <a:cxn ang="0">
-                <a:pos x="T58" y="T59"/>
-              </a:cxn>
-              <a:cxn ang="0">
-                <a:pos x="T60" y="T61"/>
-              </a:cxn>
-              <a:cxn ang="0">
-                <a:pos x="T62" y="T63"/>
-              </a:cxn>
-            </a:cxnLst>
-            <a:rect l="0" t="0" r="r" b="b"/>
-            <a:pathLst>
-              <a:path w="88" h="88">
-                <a:moveTo>
-                  <a:pt x="68" y="36"/>
-                </a:moveTo>
-                <a:cubicBezTo>
-                  <a:pt x="68" y="38"/>
-                  <a:pt x="66" y="40"/>
-                  <a:pt x="64" y="40"/>
-                </a:cubicBezTo>
-                <a:cubicBezTo>
-                  <a:pt x="56" y="40"/>
-                  <a:pt x="56" y="40"/>
-                  <a:pt x="56" y="40"/>
-                </a:cubicBezTo>
-                <a:cubicBezTo>
-                  <a:pt x="56" y="48"/>
-                  <a:pt x="56" y="48"/>
-                  <a:pt x="56" y="48"/>
-                </a:cubicBezTo>
-                <a:cubicBezTo>
-                  <a:pt x="56" y="50"/>
-                  <a:pt x="54" y="52"/>
-                  <a:pt x="52" y="52"/>
-                </a:cubicBezTo>
-                <a:cubicBezTo>
-                  <a:pt x="50" y="52"/>
-                  <a:pt x="48" y="50"/>
-                  <a:pt x="48" y="48"/>
-                </a:cubicBezTo>
-                <a:cubicBezTo>
-                  <a:pt x="48" y="40"/>
-                  <a:pt x="48" y="40"/>
-                  <a:pt x="48" y="40"/>
-                </a:cubicBezTo>
-                <a:cubicBezTo>
-                  <a:pt x="40" y="40"/>
-                  <a:pt x="40" y="40"/>
-                  <a:pt x="40" y="40"/>
-                </a:cubicBezTo>
-                <a:cubicBezTo>
-                  <a:pt x="38" y="40"/>
-                  <a:pt x="36" y="38"/>
-                  <a:pt x="36" y="36"/>
-                </a:cubicBezTo>
-                <a:cubicBezTo>
-                  <a:pt x="36" y="34"/>
-                  <a:pt x="38" y="32"/>
-                  <a:pt x="40" y="32"/>
-                </a:cubicBezTo>
-                <a:cubicBezTo>
-                  <a:pt x="48" y="32"/>
-                  <a:pt x="48" y="32"/>
-                  <a:pt x="48" y="32"/>
-                </a:cubicBezTo>
-                <a:cubicBezTo>
-                  <a:pt x="48" y="24"/>
-                  <a:pt x="48" y="24"/>
-                  <a:pt x="48" y="24"/>
-                </a:cubicBezTo>
-                <a:cubicBezTo>
-                  <a:pt x="48" y="22"/>
-                  <a:pt x="50" y="20"/>
-                  <a:pt x="52" y="20"/>
-                </a:cubicBezTo>
-                <a:cubicBezTo>
-                  <a:pt x="54" y="20"/>
-                  <a:pt x="56" y="22"/>
-                  <a:pt x="56" y="24"/>
-                </a:cubicBezTo>
-                <a:cubicBezTo>
-                  <a:pt x="56" y="32"/>
-                  <a:pt x="56" y="32"/>
-                  <a:pt x="56" y="32"/>
-                </a:cubicBezTo>
-                <a:cubicBezTo>
-                  <a:pt x="64" y="32"/>
-                  <a:pt x="64" y="32"/>
-                  <a:pt x="64" y="32"/>
-                </a:cubicBezTo>
-                <a:cubicBezTo>
-                  <a:pt x="66" y="32"/>
-                  <a:pt x="68" y="34"/>
-                  <a:pt x="68" y="36"/>
-                </a:cubicBezTo>
-                <a:close/>
-                <a:moveTo>
-                  <a:pt x="88" y="36"/>
-                </a:moveTo>
-                <a:cubicBezTo>
-                  <a:pt x="88" y="56"/>
-                  <a:pt x="72" y="72"/>
-                  <a:pt x="52" y="72"/>
-                </a:cubicBezTo>
-                <a:cubicBezTo>
-                  <a:pt x="44" y="72"/>
-                  <a:pt x="36" y="69"/>
-                  <a:pt x="30" y="64"/>
-                </a:cubicBezTo>
-                <a:cubicBezTo>
-                  <a:pt x="7" y="87"/>
-                  <a:pt x="7" y="87"/>
-                  <a:pt x="7" y="87"/>
-                </a:cubicBezTo>
-                <a:cubicBezTo>
-                  <a:pt x="5" y="88"/>
-                  <a:pt x="3" y="88"/>
-                  <a:pt x="1" y="87"/>
-                </a:cubicBezTo>
-                <a:cubicBezTo>
-                  <a:pt x="0" y="85"/>
-                  <a:pt x="0" y="83"/>
-                  <a:pt x="1" y="81"/>
-                </a:cubicBezTo>
-                <a:cubicBezTo>
-                  <a:pt x="24" y="58"/>
-                  <a:pt x="24" y="58"/>
-                  <a:pt x="24" y="58"/>
-                </a:cubicBezTo>
-                <a:cubicBezTo>
-                  <a:pt x="19" y="52"/>
-                  <a:pt x="16" y="44"/>
-                  <a:pt x="16" y="36"/>
-                </a:cubicBezTo>
-                <a:cubicBezTo>
-                  <a:pt x="16" y="16"/>
-                  <a:pt x="32" y="0"/>
-                  <a:pt x="52" y="0"/>
-                </a:cubicBezTo>
-                <a:cubicBezTo>
-                  <a:pt x="72" y="0"/>
-                  <a:pt x="88" y="16"/>
-                  <a:pt x="88" y="36"/>
-                </a:cubicBezTo>
-                <a:close/>
-                <a:moveTo>
-                  <a:pt x="80" y="36"/>
-                </a:moveTo>
-                <a:cubicBezTo>
-                  <a:pt x="80" y="21"/>
-                  <a:pt x="67" y="8"/>
-                  <a:pt x="52" y="8"/>
-                </a:cubicBezTo>
-                <a:cubicBezTo>
-                  <a:pt x="37" y="8"/>
-                  <a:pt x="24" y="21"/>
-                  <a:pt x="24" y="36"/>
-                </a:cubicBezTo>
-                <a:cubicBezTo>
-                  <a:pt x="24" y="51"/>
-                  <a:pt x="37" y="64"/>
-                  <a:pt x="52" y="64"/>
-                </a:cubicBezTo>
-                <a:cubicBezTo>
-                  <a:pt x="67" y="64"/>
-                  <a:pt x="80" y="51"/>
-                  <a:pt x="80" y="36"/>
-                </a:cubicBezTo>
-                <a:close/>
-              </a:path>
-            </a:pathLst>
-          </a:custGeom>
-          <a:solidFill>
-            <a:srgbClr val="0EABA9"/>
-          </a:solidFill>
-          <a:ln>
-            <a:noFill/>
-          </a:ln>
-        </p:spPr>
-        <p:txBody>
-          <a:bodyPr vert="horz" wrap="square" lIns="91440" tIns="45720" rIns="91440" bIns="45720" numCol="1" anchor="t" anchorCtr="0" compatLnSpc="1">
-            <a:prstTxWarp prst="textNoShape">
-              <a:avLst/>
-            </a:prstTxWarp>
-          </a:bodyPr>
-          <a:lstStyle/>
-          <a:p>
-            <a:pPr marL="0" marR="0" lvl="0" indent="0" algn="l" defTabSz="914400" rtl="0" eaLnBrk="1" fontAlgn="auto" latinLnBrk="0" hangingPunct="1">
-              <a:lnSpc>
-                <a:spcPct val="100000"/>
-              </a:lnSpc>
-              <a:spcBef>
-                <a:spcPts val="0"/>
-              </a:spcBef>
-              <a:spcAft>
-                <a:spcPts val="0"/>
-              </a:spcAft>
-              <a:buClrTx/>
-              <a:buSzTx/>
-              <a:buFontTx/>
-              <a:buNone/>
-              <a:tabLst/>
-              <a:defRPr/>
-            </a:pPr>
-            <a:endParaRPr kumimoji="0" lang="en-US" sz="1800" b="0" i="0" u="none" strike="noStrike" kern="1200" cap="none" spc="0" normalizeH="0" baseline="0" noProof="0">
-              <a:ln>
-                <a:noFill/>
-              </a:ln>
-              <a:solidFill>
-                <a:srgbClr val="0EABA9"/>
-              </a:solidFill>
-              <a:effectLst/>
-              <a:uLnTx/>
-              <a:uFillTx/>
-              <a:latin typeface="TheSans Swisscom Light"/>
-              <a:ea typeface="+mn-ea"/>
-              <a:cs typeface="+mn-cs"/>
-            </a:endParaRPr>
-          </a:p>
-        </p:txBody>
-      </p:sp>
-      <p:sp>
-        <p:nvSpPr>
-          <p:cNvPr id="10" name="Freeform 86">
-            <a:extLst>
-              <a:ext uri="{FF2B5EF4-FFF2-40B4-BE49-F238E27FC236}">
-                <a16:creationId xmlns:a16="http://schemas.microsoft.com/office/drawing/2014/main" id="{75035976-D8AE-FB19-678B-F02F92D1EC4D}"/>
-              </a:ext>
-            </a:extLst>
-          </p:cNvPr>
-          <p:cNvSpPr>
-            <a:spLocks noEditPoints="1"/>
-          </p:cNvSpPr>
-          <p:nvPr>
-            <p:custDataLst>
-              <p:tags r:id="rId2"/>
-            </p:custDataLst>
-          </p:nvPr>
-        </p:nvSpPr>
-        <p:spPr bwMode="black">
-          <a:xfrm>
-            <a:off x="3498777" y="3423585"/>
-            <a:ext cx="331787" cy="363220"/>
-          </a:xfrm>
-          <a:custGeom>
-            <a:avLst/>
-            <a:gdLst>
-              <a:gd name="T0" fmla="*/ 68 w 88"/>
-              <a:gd name="T1" fmla="*/ 36 h 88"/>
-              <a:gd name="T2" fmla="*/ 64 w 88"/>
-              <a:gd name="T3" fmla="*/ 40 h 88"/>
-              <a:gd name="T4" fmla="*/ 40 w 88"/>
-              <a:gd name="T5" fmla="*/ 40 h 88"/>
-              <a:gd name="T6" fmla="*/ 36 w 88"/>
-              <a:gd name="T7" fmla="*/ 36 h 88"/>
-              <a:gd name="T8" fmla="*/ 40 w 88"/>
-              <a:gd name="T9" fmla="*/ 32 h 88"/>
-              <a:gd name="T10" fmla="*/ 64 w 88"/>
-              <a:gd name="T11" fmla="*/ 32 h 88"/>
-              <a:gd name="T12" fmla="*/ 68 w 88"/>
-              <a:gd name="T13" fmla="*/ 36 h 88"/>
-              <a:gd name="T14" fmla="*/ 88 w 88"/>
-              <a:gd name="T15" fmla="*/ 36 h 88"/>
-              <a:gd name="T16" fmla="*/ 52 w 88"/>
-              <a:gd name="T17" fmla="*/ 72 h 88"/>
-              <a:gd name="T18" fmla="*/ 30 w 88"/>
-              <a:gd name="T19" fmla="*/ 64 h 88"/>
-              <a:gd name="T20" fmla="*/ 7 w 88"/>
-              <a:gd name="T21" fmla="*/ 87 h 88"/>
-              <a:gd name="T22" fmla="*/ 1 w 88"/>
-              <a:gd name="T23" fmla="*/ 87 h 88"/>
-              <a:gd name="T24" fmla="*/ 1 w 88"/>
-              <a:gd name="T25" fmla="*/ 81 h 88"/>
-              <a:gd name="T26" fmla="*/ 24 w 88"/>
-              <a:gd name="T27" fmla="*/ 58 h 88"/>
-              <a:gd name="T28" fmla="*/ 16 w 88"/>
-              <a:gd name="T29" fmla="*/ 36 h 88"/>
-              <a:gd name="T30" fmla="*/ 52 w 88"/>
-              <a:gd name="T31" fmla="*/ 0 h 88"/>
-              <a:gd name="T32" fmla="*/ 88 w 88"/>
-              <a:gd name="T33" fmla="*/ 36 h 88"/>
-              <a:gd name="T34" fmla="*/ 80 w 88"/>
-              <a:gd name="T35" fmla="*/ 36 h 88"/>
-              <a:gd name="T36" fmla="*/ 52 w 88"/>
-              <a:gd name="T37" fmla="*/ 8 h 88"/>
-              <a:gd name="T38" fmla="*/ 24 w 88"/>
-              <a:gd name="T39" fmla="*/ 36 h 88"/>
-              <a:gd name="T40" fmla="*/ 52 w 88"/>
-              <a:gd name="T41" fmla="*/ 64 h 88"/>
-              <a:gd name="T42" fmla="*/ 80 w 88"/>
-              <a:gd name="T43" fmla="*/ 36 h 88"/>
-            </a:gdLst>
-            <a:ahLst/>
-            <a:cxnLst>
-              <a:cxn ang="0">
-                <a:pos x="T0" y="T1"/>
-              </a:cxn>
-              <a:cxn ang="0">
-                <a:pos x="T2" y="T3"/>
-              </a:cxn>
-              <a:cxn ang="0">
-                <a:pos x="T4" y="T5"/>
-              </a:cxn>
-              <a:cxn ang="0">
-                <a:pos x="T6" y="T7"/>
-              </a:cxn>
-              <a:cxn ang="0">
-                <a:pos x="T8" y="T9"/>
-              </a:cxn>
-              <a:cxn ang="0">
-                <a:pos x="T10" y="T11"/>
-              </a:cxn>
-              <a:cxn ang="0">
-                <a:pos x="T12" y="T13"/>
-              </a:cxn>
-              <a:cxn ang="0">
-                <a:pos x="T14" y="T15"/>
-              </a:cxn>
-              <a:cxn ang="0">
-                <a:pos x="T16" y="T17"/>
-              </a:cxn>
-              <a:cxn ang="0">
-                <a:pos x="T18" y="T19"/>
-              </a:cxn>
-              <a:cxn ang="0">
-                <a:pos x="T20" y="T21"/>
-              </a:cxn>
-              <a:cxn ang="0">
-                <a:pos x="T22" y="T23"/>
-              </a:cxn>
-              <a:cxn ang="0">
-                <a:pos x="T24" y="T25"/>
-              </a:cxn>
-              <a:cxn ang="0">
-                <a:pos x="T26" y="T27"/>
-              </a:cxn>
-              <a:cxn ang="0">
-                <a:pos x="T28" y="T29"/>
-              </a:cxn>
-              <a:cxn ang="0">
-                <a:pos x="T30" y="T31"/>
-              </a:cxn>
-              <a:cxn ang="0">
-                <a:pos x="T32" y="T33"/>
-              </a:cxn>
-              <a:cxn ang="0">
-                <a:pos x="T34" y="T35"/>
-              </a:cxn>
-              <a:cxn ang="0">
-                <a:pos x="T36" y="T37"/>
-              </a:cxn>
-              <a:cxn ang="0">
-                <a:pos x="T38" y="T39"/>
-              </a:cxn>
-              <a:cxn ang="0">
-                <a:pos x="T40" y="T41"/>
-              </a:cxn>
-              <a:cxn ang="0">
-                <a:pos x="T42" y="T43"/>
-              </a:cxn>
-            </a:cxnLst>
-            <a:rect l="0" t="0" r="r" b="b"/>
-            <a:pathLst>
-              <a:path w="88" h="88">
-                <a:moveTo>
-                  <a:pt x="68" y="36"/>
-                </a:moveTo>
-                <a:cubicBezTo>
-                  <a:pt x="68" y="38"/>
-                  <a:pt x="66" y="40"/>
-                  <a:pt x="64" y="40"/>
-                </a:cubicBezTo>
-                <a:cubicBezTo>
-                  <a:pt x="40" y="40"/>
-                  <a:pt x="40" y="40"/>
-                  <a:pt x="40" y="40"/>
-                </a:cubicBezTo>
-                <a:cubicBezTo>
-                  <a:pt x="38" y="40"/>
-                  <a:pt x="36" y="38"/>
-                  <a:pt x="36" y="36"/>
-                </a:cubicBezTo>
-                <a:cubicBezTo>
-                  <a:pt x="36" y="34"/>
-                  <a:pt x="38" y="32"/>
-                  <a:pt x="40" y="32"/>
-                </a:cubicBezTo>
-                <a:cubicBezTo>
-                  <a:pt x="64" y="32"/>
-                  <a:pt x="64" y="32"/>
-                  <a:pt x="64" y="32"/>
-                </a:cubicBezTo>
-                <a:cubicBezTo>
-                  <a:pt x="66" y="32"/>
-                  <a:pt x="68" y="34"/>
-                  <a:pt x="68" y="36"/>
-                </a:cubicBezTo>
-                <a:close/>
-                <a:moveTo>
-                  <a:pt x="88" y="36"/>
-                </a:moveTo>
-                <a:cubicBezTo>
-                  <a:pt x="88" y="56"/>
-                  <a:pt x="72" y="72"/>
-                  <a:pt x="52" y="72"/>
-                </a:cubicBezTo>
-                <a:cubicBezTo>
-                  <a:pt x="44" y="72"/>
-                  <a:pt x="36" y="69"/>
-                  <a:pt x="30" y="64"/>
-                </a:cubicBezTo>
-                <a:cubicBezTo>
-                  <a:pt x="7" y="87"/>
-                  <a:pt x="7" y="87"/>
-                  <a:pt x="7" y="87"/>
-                </a:cubicBezTo>
-                <a:cubicBezTo>
-                  <a:pt x="5" y="88"/>
-                  <a:pt x="3" y="88"/>
-                  <a:pt x="1" y="87"/>
-                </a:cubicBezTo>
-                <a:cubicBezTo>
-                  <a:pt x="0" y="85"/>
-                  <a:pt x="0" y="83"/>
-                  <a:pt x="1" y="81"/>
-                </a:cubicBezTo>
-                <a:cubicBezTo>
-                  <a:pt x="24" y="58"/>
-                  <a:pt x="24" y="58"/>
-                  <a:pt x="24" y="58"/>
-                </a:cubicBezTo>
-                <a:cubicBezTo>
-                  <a:pt x="19" y="52"/>
-                  <a:pt x="16" y="44"/>
-                  <a:pt x="16" y="36"/>
-                </a:cubicBezTo>
-                <a:cubicBezTo>
-                  <a:pt x="16" y="16"/>
-                  <a:pt x="32" y="0"/>
-                  <a:pt x="52" y="0"/>
-                </a:cubicBezTo>
-                <a:cubicBezTo>
-                  <a:pt x="72" y="0"/>
-                  <a:pt x="88" y="16"/>
-                  <a:pt x="88" y="36"/>
-                </a:cubicBezTo>
-                <a:close/>
-                <a:moveTo>
-                  <a:pt x="80" y="36"/>
-                </a:moveTo>
-                <a:cubicBezTo>
-                  <a:pt x="80" y="21"/>
-                  <a:pt x="67" y="8"/>
-                  <a:pt x="52" y="8"/>
-                </a:cubicBezTo>
-                <a:cubicBezTo>
-                  <a:pt x="37" y="8"/>
-                  <a:pt x="24" y="21"/>
-                  <a:pt x="24" y="36"/>
-                </a:cubicBezTo>
-                <a:cubicBezTo>
-                  <a:pt x="24" y="51"/>
-                  <a:pt x="37" y="64"/>
-                  <a:pt x="52" y="64"/>
-                </a:cubicBezTo>
-                <a:cubicBezTo>
-                  <a:pt x="67" y="64"/>
-                  <a:pt x="80" y="51"/>
-                  <a:pt x="80" y="36"/>
-                </a:cubicBezTo>
-                <a:close/>
-              </a:path>
-            </a:pathLst>
-          </a:custGeom>
-          <a:solidFill>
-            <a:srgbClr val="E61E64"/>
-          </a:solidFill>
-          <a:ln>
-            <a:noFill/>
-          </a:ln>
-        </p:spPr>
-        <p:txBody>
-          <a:bodyPr vert="horz" wrap="square" lIns="91440" tIns="45720" rIns="91440" bIns="45720" numCol="1" anchor="t" anchorCtr="0" compatLnSpc="1">
-            <a:prstTxWarp prst="textNoShape">
-              <a:avLst/>
-            </a:prstTxWarp>
-          </a:bodyPr>
-          <a:lstStyle/>
-          <a:p>
-            <a:pPr marL="0" marR="0" lvl="0" indent="0" algn="l" defTabSz="914400" rtl="0" eaLnBrk="1" fontAlgn="auto" latinLnBrk="0" hangingPunct="1">
-              <a:lnSpc>
-                <a:spcPct val="100000"/>
-              </a:lnSpc>
-              <a:spcBef>
-                <a:spcPts val="0"/>
-              </a:spcBef>
-              <a:spcAft>
-                <a:spcPts val="0"/>
-              </a:spcAft>
-              <a:buClrTx/>
-              <a:buSzTx/>
-              <a:buFontTx/>
-              <a:buNone/>
-              <a:tabLst/>
-              <a:defRPr/>
-            </a:pPr>
-            <a:endParaRPr kumimoji="0" lang="en-US" sz="1800" b="0" i="0" u="none" strike="noStrike" kern="1200" cap="none" spc="0" normalizeH="0" baseline="0" noProof="0">
-              <a:ln>
-                <a:noFill/>
-              </a:ln>
-              <a:solidFill>
-                <a:srgbClr val="0EABA9"/>
-              </a:solidFill>
-              <a:effectLst/>
-              <a:uLnTx/>
-              <a:uFillTx/>
-              <a:latin typeface="TheSans Swisscom Light"/>
+              <a:latin typeface="+mj-lt"/>
               <a:ea typeface="+mn-ea"/>
               <a:cs typeface="+mn-cs"/>
             </a:endParaRPr>
@@ -13614,7 +13094,7 @@
         <p:spPr bwMode="black">
           <a:xfrm>
             <a:off x="984250" y="1197204"/>
-            <a:ext cx="2654300" cy="755615"/>
+            <a:ext cx="2145811" cy="755615"/>
           </a:xfrm>
           <a:prstGeom prst="rect">
             <a:avLst/>
@@ -14084,13 +13564,13 @@
                 </a:srgbClr>
               </a:buClr>
               <a:buSzTx/>
-              <a:buFont typeface="TheSans Swisscom Light" panose="020B0303020202020204" pitchFamily="34" charset="0"/>
-              <a:buChar char="&gt;"/>
+              <a:buFont typeface="Wingdings" panose="05000000000000000000" pitchFamily="2" charset="2"/>
+              <a:buChar char="Ø"/>
               <a:tabLst/>
               <a:defRPr/>
             </a:pPr>
             <a:r>
-              <a:rPr kumimoji="0" lang="en-US" sz="1400" i="0" u="none" strike="noStrike" kern="1200" cap="none" spc="0" normalizeH="0" baseline="0" noProof="0" dirty="0">
+              <a:rPr kumimoji="0" lang="en-US" sz="1350" i="0" u="none" strike="noStrike" kern="1200" cap="none" spc="0" normalizeH="0" baseline="0" noProof="0" dirty="0">
                 <a:ln>
                   <a:noFill/>
                 </a:ln>
@@ -14100,14 +13580,14 @@
                 <a:effectLst/>
                 <a:uLnTx/>
                 <a:uFillTx/>
-                <a:latin typeface="TheSans Swisscom Light"/>
+                <a:latin typeface="+mj-lt"/>
                 <a:ea typeface="+mn-ea"/>
                 <a:cs typeface="+mn-cs"/>
               </a:rPr>
               <a:t>Establish a network topology and Network Telemetry lab reproduction and verify configuration change with collected operational metrics.</a:t>
             </a:r>
             <a:br>
-              <a:rPr kumimoji="0" lang="en-US" sz="1400" i="0" u="none" strike="noStrike" kern="1200" cap="none" spc="0" normalizeH="0" baseline="0" noProof="0" dirty="0">
+              <a:rPr kumimoji="0" lang="en-US" sz="1350" i="0" u="none" strike="noStrike" kern="1200" cap="none" spc="0" normalizeH="0" baseline="0" noProof="0" dirty="0">
                 <a:ln>
                   <a:noFill/>
                 </a:ln>
@@ -14117,13 +13597,13 @@
                 <a:effectLst/>
                 <a:uLnTx/>
                 <a:uFillTx/>
-                <a:latin typeface="TheSans Swisscom Light"/>
+                <a:latin typeface="+mj-lt"/>
                 <a:ea typeface="+mn-ea"/>
                 <a:cs typeface="+mn-cs"/>
               </a:rPr>
             </a:br>
             <a:r>
-              <a:rPr kumimoji="0" lang="en-US" sz="1400" b="1" i="0" u="none" strike="noStrike" kern="1200" cap="none" spc="0" normalizeH="0" baseline="0" noProof="0" dirty="0">
+              <a:rPr kumimoji="0" lang="en-US" sz="1350" b="1" i="0" u="none" strike="noStrike" kern="1200" cap="none" spc="0" normalizeH="0" baseline="0" noProof="0" dirty="0">
                 <a:ln>
                   <a:noFill/>
                 </a:ln>
@@ -14133,7 +13613,7 @@
                 <a:effectLst/>
                 <a:uLnTx/>
                 <a:uFillTx/>
-                <a:latin typeface="TheSans Swisscom Light"/>
+                <a:latin typeface="+mj-lt"/>
                 <a:ea typeface="+mn-ea"/>
                 <a:cs typeface="+mn-cs"/>
               </a:rPr>
@@ -14157,13 +13637,13 @@
                 </a:srgbClr>
               </a:buClr>
               <a:buSzTx/>
-              <a:buFont typeface="TheSans Swisscom Light" panose="020B0303020202020204" pitchFamily="34" charset="0"/>
-              <a:buChar char="&gt;"/>
+              <a:buFont typeface="Wingdings" panose="05000000000000000000" pitchFamily="2" charset="2"/>
+              <a:buChar char="Ø"/>
               <a:tabLst/>
               <a:defRPr/>
             </a:pPr>
             <a:r>
-              <a:rPr kumimoji="0" lang="en-US" sz="1400" i="0" u="none" strike="noStrike" kern="1200" cap="none" spc="0" normalizeH="0" baseline="0" noProof="0" dirty="0">
+              <a:rPr kumimoji="0" lang="en-US" sz="1350" i="0" u="none" strike="noStrike" kern="1200" cap="none" spc="0" normalizeH="0" baseline="0" noProof="0" dirty="0">
                 <a:ln>
                   <a:noFill/>
                 </a:ln>
@@ -14173,14 +13653,14 @@
                 <a:effectLst/>
                 <a:uLnTx/>
                 <a:uFillTx/>
-                <a:latin typeface="TheSans Swisscom Light"/>
+                <a:latin typeface="+mj-lt"/>
                 <a:ea typeface="+mn-ea"/>
                 <a:cs typeface="+mn-cs"/>
               </a:rPr>
               <a:t>SRv6 Mobile Connectivity NRE REP-8 Preparation and Execution</a:t>
             </a:r>
             <a:br>
-              <a:rPr kumimoji="0" lang="en-US" sz="1400" i="0" u="none" strike="noStrike" kern="1200" cap="none" spc="0" normalizeH="0" baseline="0" noProof="0" dirty="0">
+              <a:rPr kumimoji="0" lang="en-US" sz="1350" i="0" u="none" strike="noStrike" kern="1200" cap="none" spc="0" normalizeH="0" baseline="0" noProof="0" dirty="0">
                 <a:ln>
                   <a:noFill/>
                 </a:ln>
@@ -14190,13 +13670,13 @@
                 <a:effectLst/>
                 <a:uLnTx/>
                 <a:uFillTx/>
-                <a:latin typeface="TheSans Swisscom Light"/>
+                <a:latin typeface="+mj-lt"/>
                 <a:ea typeface="+mn-ea"/>
                 <a:cs typeface="+mn-cs"/>
               </a:rPr>
             </a:br>
             <a:r>
-              <a:rPr kumimoji="0" lang="en-US" sz="1400" b="1" i="0" u="none" strike="noStrike" kern="1200" cap="none" spc="0" normalizeH="0" baseline="0" noProof="0" dirty="0">
+              <a:rPr kumimoji="0" lang="en-US" sz="1350" b="1" i="0" u="none" strike="noStrike" kern="1200" cap="none" spc="0" normalizeH="0" baseline="0" noProof="0" dirty="0">
                 <a:ln>
                   <a:noFill/>
                 </a:ln>
@@ -14206,7 +13686,7 @@
                 <a:effectLst/>
                 <a:uLnTx/>
                 <a:uFillTx/>
-                <a:latin typeface="TheSans Swisscom Light"/>
+                <a:latin typeface="+mj-lt"/>
                 <a:ea typeface="+mn-ea"/>
                 <a:cs typeface="+mn-cs"/>
               </a:rPr>
@@ -21826,7 +21306,7 @@
         <p:spPr>
           <a:xfrm>
             <a:off x="841248" y="365760"/>
-            <a:ext cx="10515600" cy="1325880"/>
+            <a:ext cx="6528322" cy="1325880"/>
           </a:xfrm>
         </p:spPr>
         <p:txBody>
@@ -21875,8 +21355,8 @@
         </p:nvSpPr>
         <p:spPr bwMode="black">
           <a:xfrm>
-            <a:off x="8253850" y="448588"/>
-            <a:ext cx="3814323" cy="5113253"/>
+            <a:off x="8080260" y="191004"/>
+            <a:ext cx="4044516" cy="5113253"/>
           </a:xfrm>
           <a:prstGeom prst="rect">
             <a:avLst/>
@@ -22078,174 +21558,182 @@
           <a:p>
             <a:pPr>
               <a:spcBef>
-                <a:spcPts val="300"/>
+                <a:spcPts val="0"/>
               </a:spcBef>
               <a:spcAft>
                 <a:spcPts val="300"/>
               </a:spcAft>
             </a:pPr>
             <a:r>
-              <a:rPr lang="de-CH" sz="1200" b="1" dirty="0"/>
+              <a:rPr lang="de-CH" sz="1350" b="1" dirty="0"/>
               <a:t>Maintenance </a:t>
             </a:r>
             <a:r>
-              <a:rPr lang="de-CH" sz="1200" b="1" dirty="0" err="1"/>
+              <a:rPr lang="de-CH" sz="1350" b="1" dirty="0" err="1"/>
               <a:t>Window</a:t>
             </a:r>
             <a:r>
-              <a:rPr lang="de-CH" sz="1200" b="1" dirty="0"/>
+              <a:rPr lang="de-CH" sz="1350" b="1" dirty="0"/>
               <a:t> </a:t>
             </a:r>
             <a:r>
-              <a:rPr lang="en-US" sz="1200" b="1" dirty="0"/>
-              <a:t>started on August 14th 00:04 and ended at 01:12. In total 15 configuration steps were performed. </a:t>
-            </a:r>
-            <a:r>
-              <a:rPr lang="en-US" sz="1200" dirty="0"/>
+              <a:rPr lang="de-CH" sz="1350" b="1" dirty="0" err="1"/>
+              <a:t>with</a:t>
+            </a:r>
+            <a:r>
+              <a:rPr lang="de-CH" sz="1350" b="1" dirty="0"/>
+              <a:t> </a:t>
+            </a:r>
+            <a:r>
+              <a:rPr lang="en-US" sz="1350" b="1" dirty="0"/>
+              <a:t>15 configuration steps started on August 14th 00:04 and ended at 01:12. </a:t>
+            </a:r>
+            <a:r>
+              <a:rPr lang="en-US" sz="1350" dirty="0"/>
               <a:t>These configuration steps involved: IS-IS overload-bit on ABR, ABR IS-IS L1/2 to L2/L2 and PE L1 to L2 migration, IS-IS locator summarization.</a:t>
             </a:r>
           </a:p>
           <a:p>
             <a:pPr>
               <a:spcBef>
-                <a:spcPts val="300"/>
+                <a:spcPts val="0"/>
               </a:spcBef>
               <a:spcAft>
                 <a:spcPts val="300"/>
               </a:spcAft>
             </a:pPr>
             <a:r>
-              <a:rPr lang="en-US" sz="1200" b="1" dirty="0"/>
+              <a:rPr lang="en-US" sz="1350" b="1" dirty="0"/>
               <a:t>Throughout the maintenance window, </a:t>
             </a:r>
             <a:r>
-              <a:rPr lang="en-US" sz="1200" dirty="0"/>
+              <a:rPr lang="en-US" sz="1350" dirty="0"/>
               <a:t>in overlay topology changes, traffic volume and flow count changes, forwarding plane drops and customer data plane TCP congestion were measured and observed but nor alerted. </a:t>
             </a:r>
             <a:r>
-              <a:rPr lang="en-US" sz="1200" b="1" dirty="0"/>
+              <a:rPr lang="en-US" sz="1350" b="1" dirty="0"/>
               <a:t>In SRv6 underlay, forwarding  plane drops were measured and observed but not alerted.</a:t>
             </a:r>
           </a:p>
           <a:p>
             <a:pPr>
               <a:spcBef>
-                <a:spcPts val="300"/>
+                <a:spcPts val="0"/>
               </a:spcBef>
               <a:spcAft>
                 <a:spcPts val="300"/>
               </a:spcAft>
             </a:pPr>
             <a:r>
-              <a:rPr lang="en-US" sz="1200" dirty="0"/>
+              <a:rPr lang="en-US" sz="1350" dirty="0"/>
               <a:t>Network operation center </a:t>
             </a:r>
             <a:r>
-              <a:rPr lang="en-US" sz="1200" b="1" dirty="0"/>
+              <a:rPr lang="en-US" sz="1350" b="1" dirty="0"/>
               <a:t>was alerted</a:t>
             </a:r>
             <a:r>
-              <a:rPr lang="en-US" sz="1200" dirty="0"/>
-              <a:t> that 10 VOIP service calls were dropped, mobile subscriber control plane was interrupted. Both platform teams were notified </a:t>
-            </a:r>
-            <a:r>
-              <a:rPr lang="en-US" sz="1200" b="1" dirty="0"/>
-              <a:t>but did not gain insights in causality.</a:t>
+              <a:rPr lang="en-US" sz="1350" dirty="0"/>
+              <a:t>. 10 VOIP service calls were dropped, and mobile subscriber control plane was interrupted. Both platform teams were notified </a:t>
+            </a:r>
+            <a:r>
+              <a:rPr lang="en-US" sz="1350" b="1" dirty="0"/>
+              <a:t>but did not find causality.</a:t>
             </a:r>
           </a:p>
           <a:p>
             <a:pPr>
               <a:spcBef>
-                <a:spcPts val="300"/>
+                <a:spcPts val="0"/>
               </a:spcBef>
               <a:spcAft>
                 <a:spcPts val="300"/>
               </a:spcAft>
             </a:pPr>
             <a:r>
-              <a:rPr lang="en-US" sz="1200" b="1" dirty="0"/>
+              <a:rPr lang="en-US" sz="1350" b="1" dirty="0"/>
               <a:t>At 01:51, </a:t>
             </a:r>
             <a:r>
-              <a:rPr lang="en-US" sz="1200" dirty="0"/>
+              <a:rPr lang="en-US" sz="1350" dirty="0"/>
               <a:t>the maintenance window implementers informed network operation center that all configuration changes were performed, and no connectivity service impact was observed.</a:t>
             </a:r>
           </a:p>
           <a:p>
             <a:pPr>
               <a:spcBef>
-                <a:spcPts val="300"/>
+                <a:spcPts val="0"/>
               </a:spcBef>
               <a:spcAft>
                 <a:spcPts val="300"/>
               </a:spcAft>
             </a:pPr>
             <a:r>
-              <a:rPr lang="en-US" sz="1200" b="1" dirty="0"/>
+              <a:rPr lang="en-US" sz="1350" b="1" dirty="0"/>
               <a:t>At 10:22, </a:t>
             </a:r>
             <a:r>
-              <a:rPr lang="en-US" sz="1200" dirty="0"/>
+              <a:rPr lang="en-US" sz="1350" dirty="0"/>
               <a:t>network operation center was being asked wherever connectivity service impact was visible and reasoning behind.</a:t>
             </a:r>
           </a:p>
           <a:p>
             <a:pPr>
               <a:spcBef>
-                <a:spcPts val="300"/>
+                <a:spcPts val="0"/>
               </a:spcBef>
               <a:spcAft>
                 <a:spcPts val="300"/>
               </a:spcAft>
             </a:pPr>
             <a:r>
-              <a:rPr lang="en-US" sz="1200" b="1" dirty="0"/>
+              <a:rPr lang="en-US" sz="1350" b="1" dirty="0"/>
               <a:t>At 11:12, </a:t>
             </a:r>
             <a:r>
-              <a:rPr lang="en-US" sz="1200" dirty="0"/>
-              <a:t>network operation center confirmed that wherever connectivity service impact is visible and most likely being related with performed maintenance window.</a:t>
+              <a:rPr lang="en-US" sz="1350" dirty="0"/>
+              <a:t>network operation center confirmed that connectivity service impact is visible and most likely being related with performed maintenance window.</a:t>
             </a:r>
           </a:p>
           <a:p>
             <a:pPr>
               <a:spcBef>
-                <a:spcPts val="300"/>
+                <a:spcPts val="0"/>
               </a:spcBef>
               <a:spcAft>
                 <a:spcPts val="300"/>
               </a:spcAft>
             </a:pPr>
             <a:r>
-              <a:rPr lang="en-US" sz="1200" b="1" dirty="0"/>
+              <a:rPr lang="en-US" sz="1350" b="1" dirty="0"/>
               <a:t>During Post Maintenance Window Analysis, </a:t>
             </a:r>
             <a:r>
-              <a:rPr lang="en-US" sz="1200" dirty="0"/>
+              <a:rPr lang="en-US" sz="1350" dirty="0"/>
               <a:t>connectivity service impact on 3 previous maintenance windows, August 6</a:t>
             </a:r>
             <a:r>
-              <a:rPr lang="en-US" sz="1200" baseline="30000" dirty="0"/>
+              <a:rPr lang="en-US" sz="1350" baseline="30000" dirty="0"/>
               <a:t>th</a:t>
             </a:r>
             <a:r>
-              <a:rPr lang="en-US" sz="1200" dirty="0"/>
+              <a:rPr lang="en-US" sz="1350" dirty="0"/>
               <a:t>, August 7</a:t>
             </a:r>
             <a:r>
-              <a:rPr lang="en-US" sz="1200" baseline="30000" dirty="0"/>
+              <a:rPr lang="en-US" sz="1350" baseline="30000" dirty="0"/>
               <a:t>th</a:t>
             </a:r>
             <a:r>
-              <a:rPr lang="en-US" sz="1200" dirty="0"/>
+              <a:rPr lang="en-US" sz="1350" dirty="0"/>
               <a:t> and August 13</a:t>
             </a:r>
             <a:r>
-              <a:rPr lang="en-US" sz="1200" baseline="30000" dirty="0"/>
+              <a:rPr lang="en-US" sz="1350" baseline="30000" dirty="0"/>
               <a:t>th</a:t>
             </a:r>
             <a:r>
-              <a:rPr lang="en-US" sz="1200" dirty="0"/>
+              <a:rPr lang="en-US" sz="1350" dirty="0"/>
               <a:t> were discovered.</a:t>
             </a:r>
           </a:p>
@@ -22282,7 +21770,7 @@
         </p:blipFill>
         <p:spPr>
           <a:xfrm>
-            <a:off x="7689453" y="448588"/>
+            <a:off x="7519715" y="201414"/>
             <a:ext cx="410400" cy="410400"/>
           </a:xfrm>
           <a:prstGeom prst="rect">
@@ -22305,7 +21793,7 @@
         <p:spPr>
           <a:xfrm>
             <a:off x="265758" y="5437539"/>
-            <a:ext cx="7103812" cy="276999"/>
+            <a:ext cx="7103812" cy="300082"/>
           </a:xfrm>
           <a:prstGeom prst="rect">
             <a:avLst/>
@@ -22319,18 +21807,18 @@
           <a:p>
             <a:pPr algn="ctr"/>
             <a:r>
-              <a:rPr lang="en-US" sz="1200" b="1" dirty="0"/>
+              <a:rPr lang="en-US" sz="1350" b="1" dirty="0"/>
               <a:t>Cosmos Bright Lights </a:t>
             </a:r>
             <a:r>
-              <a:rPr lang="en-US" sz="1200" b="1" dirty="0">
+              <a:rPr lang="en-US" sz="1350" b="1" dirty="0">
                 <a:solidFill>
                   <a:srgbClr val="FF0000"/>
                 </a:solidFill>
               </a:rPr>
               <a:t>Anomaly Detection Results for 15 L3 VPN's Traversing SRv6 Core</a:t>
             </a:r>
-            <a:endParaRPr lang="en-US" sz="1200" b="1" dirty="0"/>
+            <a:endParaRPr lang="en-US" sz="1350" b="1" dirty="0"/>
           </a:p>
         </p:txBody>
       </p:sp>
@@ -22365,7 +21853,7 @@
         </p:blipFill>
         <p:spPr>
           <a:xfrm>
-            <a:off x="7656052" y="2751055"/>
+            <a:off x="7490033" y="2646071"/>
             <a:ext cx="525183" cy="525183"/>
           </a:xfrm>
           <a:prstGeom prst="rect">
@@ -22389,8 +21877,8 @@
         </p:nvCxnSpPr>
         <p:spPr bwMode="gray">
           <a:xfrm flipH="1">
-            <a:off x="7891749" y="976456"/>
-            <a:ext cx="2238" cy="423719"/>
+            <a:off x="7724915" y="701375"/>
+            <a:ext cx="2229" cy="590049"/>
           </a:xfrm>
           <a:prstGeom prst="straightConnector1">
             <a:avLst/>
@@ -22449,7 +21937,7 @@
         </p:blipFill>
         <p:spPr>
           <a:xfrm>
-            <a:off x="7709059" y="1489994"/>
+            <a:off x="7541104" y="1340889"/>
             <a:ext cx="409069" cy="409069"/>
           </a:xfrm>
           <a:prstGeom prst="rect">
@@ -22488,7 +21976,7 @@
         </p:blipFill>
         <p:spPr>
           <a:xfrm>
-            <a:off x="7651001" y="3713045"/>
+            <a:off x="7476046" y="3780213"/>
             <a:ext cx="525183" cy="525183"/>
           </a:xfrm>
           <a:prstGeom prst="rect">
@@ -22512,7 +22000,7 @@
         </p:nvCxnSpPr>
         <p:spPr bwMode="gray">
           <a:xfrm>
-            <a:off x="7896798" y="1954493"/>
+            <a:off x="7738638" y="1810334"/>
             <a:ext cx="0" cy="718351"/>
           </a:xfrm>
           <a:prstGeom prst="straightConnector1">
@@ -22557,8 +22045,8 @@
         </p:nvCxnSpPr>
         <p:spPr bwMode="gray">
           <a:xfrm>
-            <a:off x="7913593" y="3276238"/>
-            <a:ext cx="10374" cy="422109"/>
+            <a:off x="7738638" y="3220719"/>
+            <a:ext cx="1938" cy="483677"/>
           </a:xfrm>
           <a:prstGeom prst="straightConnector1">
             <a:avLst/>
@@ -22602,8 +22090,8 @@
         </p:nvCxnSpPr>
         <p:spPr bwMode="gray">
           <a:xfrm>
-            <a:off x="7899591" y="4302277"/>
-            <a:ext cx="14001" cy="814199"/>
+            <a:off x="7752624" y="4393731"/>
+            <a:ext cx="0" cy="891146"/>
           </a:xfrm>
           <a:prstGeom prst="straightConnector1">
             <a:avLst/>
@@ -22692,7 +22180,7 @@
         </p:blipFill>
         <p:spPr>
           <a:xfrm>
-            <a:off x="7728973" y="5169072"/>
+            <a:off x="7577452" y="5366133"/>
             <a:ext cx="409069" cy="409069"/>
           </a:xfrm>
           <a:prstGeom prst="rect">
@@ -22731,7 +22219,7 @@
         </p:blipFill>
         <p:spPr>
           <a:xfrm>
-            <a:off x="7742101" y="5897026"/>
+            <a:off x="7577452" y="6129843"/>
             <a:ext cx="409069" cy="409069"/>
           </a:xfrm>
           <a:prstGeom prst="rect">
@@ -22755,7 +22243,7 @@
         </p:nvCxnSpPr>
         <p:spPr bwMode="gray">
           <a:xfrm flipH="1">
-            <a:off x="7933507" y="5632699"/>
+            <a:off x="7768294" y="5880186"/>
             <a:ext cx="6127" cy="249657"/>
           </a:xfrm>
           <a:prstGeom prst="straightConnector1">
@@ -22861,7 +22349,7 @@
         <p:spPr bwMode="black">
           <a:xfrm>
             <a:off x="1785199" y="1925618"/>
-            <a:ext cx="7577875" cy="3153997"/>
+            <a:ext cx="6825401" cy="3153997"/>
           </a:xfrm>
           <a:prstGeom prst="rect">
             <a:avLst/>
@@ -23486,6 +22974,42 @@
           </a:p>
         </p:txBody>
       </p:sp>
+      <p:pic>
+        <p:nvPicPr>
+          <p:cNvPr id="4" name="Picture 3" descr="A diagram of a pyramid&#10;&#10;Description automatically generated with medium confidence">
+            <a:extLst>
+              <a:ext uri="{FF2B5EF4-FFF2-40B4-BE49-F238E27FC236}">
+                <a16:creationId xmlns:a16="http://schemas.microsoft.com/office/drawing/2014/main" id="{9957FF2A-1726-269B-FEF0-38B8C18BCCB9}"/>
+              </a:ext>
+            </a:extLst>
+          </p:cNvPr>
+          <p:cNvPicPr>
+            <a:picLocks noChangeAspect="1"/>
+          </p:cNvPicPr>
+          <p:nvPr/>
+        </p:nvPicPr>
+        <p:blipFill>
+          <a:blip r:embed="rId7">
+            <a:extLst>
+              <a:ext uri="{28A0092B-C50C-407E-A947-70E740481C1C}">
+                <a14:useLocalDpi xmlns:a14="http://schemas.microsoft.com/office/drawing/2010/main" val="0"/>
+              </a:ext>
+            </a:extLst>
+          </a:blip>
+          <a:stretch>
+            <a:fillRect/>
+          </a:stretch>
+        </p:blipFill>
+        <p:spPr>
+          <a:xfrm>
+            <a:off x="8787277" y="1922075"/>
+            <a:ext cx="3001541" cy="4203839"/>
+          </a:xfrm>
+          <a:prstGeom prst="rect">
+            <a:avLst/>
+          </a:prstGeom>
+        </p:spPr>
+      </p:pic>
     </p:spTree>
     <p:extLst>
       <p:ext uri="{BB962C8B-B14F-4D97-AF65-F5344CB8AC3E}">
@@ -23591,7 +23115,7 @@
         <p:spPr>
           <a:xfrm>
             <a:off x="6240014" y="5912092"/>
-            <a:ext cx="5617474" cy="461665"/>
+            <a:ext cx="5617474" cy="507831"/>
           </a:xfrm>
           <a:prstGeom prst="rect">
             <a:avLst/>
@@ -23605,25 +23129,25 @@
           <a:p>
             <a:pPr algn="ctr"/>
             <a:r>
-              <a:rPr lang="en-US" sz="1200" b="1" dirty="0"/>
+              <a:rPr lang="en-US" sz="1350" b="1" dirty="0"/>
               <a:t>Cosmos Bright Lights Anomaly Detection Results for 15 L3 VPN's </a:t>
             </a:r>
             <a:br>
-              <a:rPr lang="en-US" sz="1200" b="1" dirty="0"/>
+              <a:rPr lang="en-US" sz="1350" b="1" dirty="0"/>
             </a:br>
             <a:r>
-              <a:rPr lang="en-US" sz="1200" b="1" dirty="0"/>
+              <a:rPr lang="en-US" sz="1350" b="1" dirty="0"/>
               <a:t>Traversing SRv6 Core  at </a:t>
             </a:r>
             <a:r>
-              <a:rPr lang="de-CH" sz="1200" b="1" dirty="0">
+              <a:rPr lang="de-CH" sz="1350" b="1" dirty="0">
                 <a:solidFill>
                   <a:srgbClr val="FF0000"/>
                 </a:solidFill>
               </a:rPr>
               <a:t>Location OLT</a:t>
             </a:r>
-            <a:endParaRPr lang="en-US" sz="1200" b="1" dirty="0"/>
+            <a:endParaRPr lang="en-US" sz="1350" b="1" dirty="0"/>
           </a:p>
         </p:txBody>
       </p:sp>
@@ -23642,7 +23166,7 @@
         <p:spPr>
           <a:xfrm>
             <a:off x="334512" y="5883235"/>
-            <a:ext cx="5670177" cy="461665"/>
+            <a:ext cx="5670177" cy="507831"/>
           </a:xfrm>
           <a:prstGeom prst="rect">
             <a:avLst/>
@@ -23656,18 +23180,18 @@
           <a:p>
             <a:pPr algn="ctr"/>
             <a:r>
-              <a:rPr lang="en-US" sz="1200" b="1" dirty="0"/>
+              <a:rPr lang="en-US" sz="1350" b="1" dirty="0"/>
               <a:t>Cosmos Bright Lights Anomaly Detection Results for 15 L3 VPN's </a:t>
             </a:r>
             <a:br>
-              <a:rPr lang="en-US" sz="1200" b="1" dirty="0"/>
+              <a:rPr lang="en-US" sz="1350" b="1" dirty="0"/>
             </a:br>
             <a:r>
-              <a:rPr lang="en-US" sz="1200" b="1" dirty="0"/>
+              <a:rPr lang="en-US" sz="1350" b="1" dirty="0"/>
               <a:t>Traversing SRv6 Core  at </a:t>
             </a:r>
             <a:r>
-              <a:rPr lang="de-CH" sz="1200" b="1" dirty="0">
+              <a:rPr lang="de-CH" sz="1350" b="1" dirty="0">
                 <a:solidFill>
                   <a:srgbClr val="FF0000"/>
                 </a:solidFill>
@@ -23675,10 +23199,10 @@
               <a:t>Location AAR</a:t>
             </a:r>
             <a:r>
-              <a:rPr lang="de-CH" sz="1200" b="1" dirty="0"/>
+              <a:rPr lang="de-CH" sz="1350" b="1" dirty="0"/>
               <a:t> </a:t>
             </a:r>
-            <a:endParaRPr lang="en-US" sz="1200" b="1" dirty="0"/>
+            <a:endParaRPr lang="en-US" sz="1350" b="1" dirty="0"/>
           </a:p>
         </p:txBody>
       </p:sp>
@@ -23974,7 +23498,7 @@
         <p:spPr>
           <a:xfrm>
             <a:off x="6240014" y="5912092"/>
-            <a:ext cx="5617474" cy="461665"/>
+            <a:ext cx="5617474" cy="507831"/>
           </a:xfrm>
           <a:prstGeom prst="rect">
             <a:avLst/>
@@ -23988,25 +23512,25 @@
           <a:p>
             <a:pPr algn="ctr"/>
             <a:r>
-              <a:rPr lang="en-US" sz="1200" b="1" dirty="0"/>
+              <a:rPr lang="en-US" sz="1350" b="1" dirty="0"/>
               <a:t>Cosmos Bright Lights Anomaly Detection Results for 15 L3 VPN's </a:t>
             </a:r>
             <a:br>
-              <a:rPr lang="en-US" sz="1200" b="1" dirty="0"/>
+              <a:rPr lang="en-US" sz="1350" b="1" dirty="0"/>
             </a:br>
             <a:r>
-              <a:rPr lang="en-US" sz="1200" b="1" dirty="0"/>
+              <a:rPr lang="en-US" sz="1350" b="1" dirty="0"/>
               <a:t>Traversing SRv6 Core  at </a:t>
             </a:r>
             <a:r>
-              <a:rPr lang="de-CH" sz="1200" b="1" dirty="0">
+              <a:rPr lang="de-CH" sz="1350" b="1" dirty="0">
                 <a:solidFill>
                   <a:srgbClr val="FF0000"/>
                 </a:solidFill>
               </a:rPr>
               <a:t>Location ZHH</a:t>
             </a:r>
-            <a:endParaRPr lang="en-US" sz="1200" b="1" dirty="0"/>
+            <a:endParaRPr lang="en-US" sz="1350" b="1" dirty="0"/>
           </a:p>
         </p:txBody>
       </p:sp>
@@ -24025,7 +23549,7 @@
         <p:spPr>
           <a:xfrm>
             <a:off x="334512" y="5883235"/>
-            <a:ext cx="5670177" cy="461665"/>
+            <a:ext cx="5670177" cy="507831"/>
           </a:xfrm>
           <a:prstGeom prst="rect">
             <a:avLst/>
@@ -24039,18 +23563,18 @@
           <a:p>
             <a:pPr algn="ctr"/>
             <a:r>
-              <a:rPr lang="en-US" sz="1200" b="1" dirty="0"/>
+              <a:rPr lang="en-US" sz="1350" b="1" dirty="0"/>
               <a:t>Cosmos Bright Lights Anomaly Detection Results for 15 L3 VPN's </a:t>
             </a:r>
             <a:br>
-              <a:rPr lang="en-US" sz="1200" b="1" dirty="0"/>
+              <a:rPr lang="en-US" sz="1350" b="1" dirty="0"/>
             </a:br>
             <a:r>
-              <a:rPr lang="en-US" sz="1200" b="1" dirty="0"/>
+              <a:rPr lang="en-US" sz="1350" b="1" dirty="0"/>
               <a:t>Traversing SRv6 Core  at </a:t>
             </a:r>
             <a:r>
-              <a:rPr lang="de-CH" sz="1200" b="1" dirty="0">
+              <a:rPr lang="de-CH" sz="1350" b="1" dirty="0">
                 <a:solidFill>
                   <a:srgbClr val="FF0000"/>
                 </a:solidFill>
@@ -24058,10 +23582,10 @@
               <a:t>Location ZHB</a:t>
             </a:r>
             <a:r>
-              <a:rPr lang="de-CH" sz="1200" b="1" dirty="0"/>
+              <a:rPr lang="de-CH" sz="1350" b="1" dirty="0"/>
               <a:t> </a:t>
             </a:r>
-            <a:endParaRPr lang="en-US" sz="1200" b="1" dirty="0"/>
+            <a:endParaRPr lang="en-US" sz="1350" b="1" dirty="0"/>
           </a:p>
         </p:txBody>
       </p:sp>
@@ -24237,7 +23761,7 @@
         <p:spPr>
           <a:xfrm>
             <a:off x="191343" y="6117166"/>
-            <a:ext cx="8720686" cy="276999"/>
+            <a:ext cx="8720686" cy="300082"/>
           </a:xfrm>
           <a:prstGeom prst="rect">
             <a:avLst/>
@@ -24251,11 +23775,11 @@
           <a:p>
             <a:pPr algn="ctr"/>
             <a:r>
-              <a:rPr lang="en-US" sz="1200" b="1" dirty="0"/>
+              <a:rPr lang="en-US" sz="1350" b="1" dirty="0"/>
               <a:t>Mobile Subscriber Management Control Plane Overlay </a:t>
             </a:r>
             <a:r>
-              <a:rPr lang="en-US" sz="1200" b="1" dirty="0">
+              <a:rPr lang="en-US" sz="1350" b="1" dirty="0">
                 <a:solidFill>
                   <a:srgbClr val="FF0000"/>
                 </a:solidFill>
@@ -24263,7 +23787,7 @@
               <a:t>Congestion</a:t>
             </a:r>
             <a:r>
-              <a:rPr lang="en-US" sz="1200" b="1" dirty="0"/>
+              <a:rPr lang="en-US" sz="1350" b="1" dirty="0"/>
               <a:t>  </a:t>
             </a:r>
           </a:p>
@@ -24284,7 +23808,7 @@
         <p:spPr>
           <a:xfrm>
             <a:off x="9496425" y="1317848"/>
-            <a:ext cx="2411246" cy="2377574"/>
+            <a:ext cx="2411246" cy="2169825"/>
           </a:xfrm>
           <a:prstGeom prst="rect">
             <a:avLst/>
@@ -24358,8 +23882,8 @@
         </p:nvCxnSpPr>
         <p:spPr bwMode="gray">
           <a:xfrm flipH="1">
-            <a:off x="8972607" y="2506635"/>
-            <a:ext cx="523818" cy="0"/>
+            <a:off x="8976049" y="2402761"/>
+            <a:ext cx="520376" cy="0"/>
           </a:xfrm>
           <a:prstGeom prst="straightConnector1">
             <a:avLst/>
@@ -24431,7 +23955,7 @@
         <p:spPr>
           <a:xfrm>
             <a:off x="9157941" y="5862503"/>
-            <a:ext cx="2653446" cy="461665"/>
+            <a:ext cx="2653446" cy="507831"/>
           </a:xfrm>
           <a:prstGeom prst="rect">
             <a:avLst/>
@@ -24445,10 +23969,10 @@
           <a:p>
             <a:pPr algn="ctr"/>
             <a:r>
-              <a:rPr lang="en-US" sz="1200" b="1" dirty="0"/>
+              <a:rPr lang="en-US" sz="1350" b="1" dirty="0"/>
               <a:t>Resulted in Mobile Fallback Subscriber Session Count</a:t>
             </a:r>
-            <a:endParaRPr lang="de-CH" sz="1200" dirty="0"/>
+            <a:endParaRPr lang="de-CH" sz="1350" dirty="0"/>
           </a:p>
         </p:txBody>
       </p:sp>
@@ -24628,7 +24152,7 @@
         <p:spPr>
           <a:xfrm>
             <a:off x="191343" y="6105135"/>
-            <a:ext cx="8720686" cy="276999"/>
+            <a:ext cx="8720686" cy="300082"/>
           </a:xfrm>
           <a:prstGeom prst="rect">
             <a:avLst/>
@@ -24642,18 +24166,18 @@
           <a:p>
             <a:pPr algn="ctr"/>
             <a:r>
-              <a:rPr lang="en-US" sz="1200" b="1" dirty="0"/>
+              <a:rPr lang="en-US" sz="1350" b="1" dirty="0"/>
               <a:t>VOIP SIP Signaling Overlay </a:t>
             </a:r>
             <a:r>
-              <a:rPr lang="en-US" sz="1200" b="1" dirty="0">
+              <a:rPr lang="en-US" sz="1350" b="1" dirty="0">
                 <a:solidFill>
                   <a:srgbClr val="FF0000"/>
                 </a:solidFill>
               </a:rPr>
               <a:t>Congestion</a:t>
             </a:r>
-            <a:endParaRPr lang="de-CH" sz="1200" dirty="0"/>
+            <a:endParaRPr lang="de-CH" sz="1350" dirty="0"/>
           </a:p>
         </p:txBody>
       </p:sp>
@@ -24853,18 +24377,6 @@
 </file>
 
 <file path=ppt/tags/tag10.xml><?xml version="1.0" encoding="utf-8"?>
-<p:tagLst xmlns:a="http://schemas.openxmlformats.org/drawingml/2006/main" xmlns:r="http://schemas.openxmlformats.org/officeDocument/2006/relationships" xmlns:p="http://schemas.openxmlformats.org/presentationml/2006/main">
-  <p:tag name="VCTCREATESHAPEHANDLED" val="0"/>
-</p:tagLst>
-</file>
-
-<file path=ppt/tags/tag11.xml><?xml version="1.0" encoding="utf-8"?>
-<p:tagLst xmlns:a="http://schemas.openxmlformats.org/drawingml/2006/main" xmlns:r="http://schemas.openxmlformats.org/officeDocument/2006/relationships" xmlns:p="http://schemas.openxmlformats.org/presentationml/2006/main">
-  <p:tag name="THINKCELLSHAPEDONOTDELETE" val="pyiYfMyCJfkeJ7zPCYZol5A"/>
-</p:tagLst>
-</file>
-
-<file path=ppt/tags/tag12.xml><?xml version="1.0" encoding="utf-8"?>
 <p:tagLst xmlns:a="http://schemas.openxmlformats.org/drawingml/2006/main" xmlns:r="http://schemas.openxmlformats.org/officeDocument/2006/relationships" xmlns:p="http://schemas.openxmlformats.org/presentationml/2006/main">
   <p:tag name="THINKCELLSHAPEDONOTDELETE" val="pyiYfMyCJfkeJ7zPCYZol5A"/>
 </p:tagLst>
@@ -24914,7 +24426,7 @@
 
 <file path=ppt/tags/tag9.xml><?xml version="1.0" encoding="utf-8"?>
 <p:tagLst xmlns:a="http://schemas.openxmlformats.org/drawingml/2006/main" xmlns:r="http://schemas.openxmlformats.org/officeDocument/2006/relationships" xmlns:p="http://schemas.openxmlformats.org/presentationml/2006/main">
-  <p:tag name="VCTCREATESHAPEHANDLED" val="0"/>
+  <p:tag name="THINKCELLSHAPEDONOTDELETE" val="pyiYfMyCJfkeJ7zPCYZol5A"/>
 </p:tagLst>
 </file>
 
